--- a/images/slides/figs.pptx
+++ b/images/slides/figs.pptx
@@ -4,9 +4,14 @@
   <p:sldMasterIdLst>
     <p:sldMasterId id="2147483648" r:id="rId1"/>
   </p:sldMasterIdLst>
+  <p:notesMasterIdLst>
+    <p:notesMasterId r:id="rId6"/>
+  </p:notesMasterIdLst>
   <p:sldIdLst>
-    <p:sldId id="256" r:id="rId2"/>
-    <p:sldId id="258" r:id="rId3"/>
+    <p:sldId id="260" r:id="rId2"/>
+    <p:sldId id="259" r:id="rId3"/>
+    <p:sldId id="258" r:id="rId4"/>
+    <p:sldId id="261" r:id="rId5"/>
   </p:sldIdLst>
   <p:sldSz cx="12192000" cy="6858000"/>
   <p:notesSz cx="6858000" cy="9144000"/>
@@ -113,6 +118,356 @@
 </p:presentation>
 </file>
 
+<file path=ppt/notesMasters/notesMaster1.xml><?xml version="1.0" encoding="utf-8"?>
+<p:notesMaster xmlns:a="http://schemas.openxmlformats.org/drawingml/2006/main" xmlns:r="http://schemas.openxmlformats.org/officeDocument/2006/relationships" xmlns:p="http://schemas.openxmlformats.org/presentationml/2006/main">
+  <p:cSld>
+    <p:bg>
+      <p:bgRef idx="1001">
+        <a:schemeClr val="bg1"/>
+      </p:bgRef>
+    </p:bg>
+    <p:spTree>
+      <p:nvGrpSpPr>
+        <p:cNvPr id="1" name=""/>
+        <p:cNvGrpSpPr/>
+        <p:nvPr/>
+      </p:nvGrpSpPr>
+      <p:grpSpPr>
+        <a:xfrm>
+          <a:off x="0" y="0"/>
+          <a:ext cx="0" cy="0"/>
+          <a:chOff x="0" y="0"/>
+          <a:chExt cx="0" cy="0"/>
+        </a:xfrm>
+      </p:grpSpPr>
+      <p:sp>
+        <p:nvSpPr>
+          <p:cNvPr id="2" name="Header Placeholder 1"/>
+          <p:cNvSpPr>
+            <a:spLocks noGrp="1"/>
+          </p:cNvSpPr>
+          <p:nvPr>
+            <p:ph type="hdr" sz="quarter"/>
+          </p:nvPr>
+        </p:nvSpPr>
+        <p:spPr>
+          <a:xfrm>
+            <a:off x="0" y="0"/>
+            <a:ext cx="2971800" cy="458788"/>
+          </a:xfrm>
+          <a:prstGeom prst="rect">
+            <a:avLst/>
+          </a:prstGeom>
+        </p:spPr>
+        <p:txBody>
+          <a:bodyPr vert="horz" lIns="91440" tIns="45720" rIns="91440" bIns="45720" rtlCol="0"/>
+          <a:lstStyle>
+            <a:lvl1pPr algn="l">
+              <a:defRPr sz="1200"/>
+            </a:lvl1pPr>
+          </a:lstStyle>
+          <a:p>
+            <a:endParaRPr lang="en-US"/>
+          </a:p>
+        </p:txBody>
+      </p:sp>
+      <p:sp>
+        <p:nvSpPr>
+          <p:cNvPr id="3" name="Date Placeholder 2"/>
+          <p:cNvSpPr>
+            <a:spLocks noGrp="1"/>
+          </p:cNvSpPr>
+          <p:nvPr>
+            <p:ph type="dt" idx="1"/>
+          </p:nvPr>
+        </p:nvSpPr>
+        <p:spPr>
+          <a:xfrm>
+            <a:off x="3884613" y="0"/>
+            <a:ext cx="2971800" cy="458788"/>
+          </a:xfrm>
+          <a:prstGeom prst="rect">
+            <a:avLst/>
+          </a:prstGeom>
+        </p:spPr>
+        <p:txBody>
+          <a:bodyPr vert="horz" lIns="91440" tIns="45720" rIns="91440" bIns="45720" rtlCol="0"/>
+          <a:lstStyle>
+            <a:lvl1pPr algn="r">
+              <a:defRPr sz="1200"/>
+            </a:lvl1pPr>
+          </a:lstStyle>
+          <a:p>
+            <a:fld id="{05043A6B-37AA-E344-B17D-B22500A0E976}" type="datetimeFigureOut">
+              <a:rPr lang="en-US" smtClean="0"/>
+              <a:t>9/8/17</a:t>
+            </a:fld>
+            <a:endParaRPr lang="en-US"/>
+          </a:p>
+        </p:txBody>
+      </p:sp>
+      <p:sp>
+        <p:nvSpPr>
+          <p:cNvPr id="4" name="Slide Image Placeholder 3"/>
+          <p:cNvSpPr>
+            <a:spLocks noGrp="1" noRot="1" noChangeAspect="1"/>
+          </p:cNvSpPr>
+          <p:nvPr>
+            <p:ph type="sldImg" idx="2"/>
+          </p:nvPr>
+        </p:nvSpPr>
+        <p:spPr>
+          <a:xfrm>
+            <a:off x="685800" y="1143000"/>
+            <a:ext cx="5486400" cy="3086100"/>
+          </a:xfrm>
+          <a:prstGeom prst="rect">
+            <a:avLst/>
+          </a:prstGeom>
+          <a:noFill/>
+          <a:ln w="12700">
+            <a:solidFill>
+              <a:prstClr val="black"/>
+            </a:solidFill>
+          </a:ln>
+        </p:spPr>
+        <p:txBody>
+          <a:bodyPr vert="horz" lIns="91440" tIns="45720" rIns="91440" bIns="45720" rtlCol="0" anchor="ctr"/>
+          <a:lstStyle/>
+          <a:p>
+            <a:endParaRPr lang="en-US"/>
+          </a:p>
+        </p:txBody>
+      </p:sp>
+      <p:sp>
+        <p:nvSpPr>
+          <p:cNvPr id="5" name="Notes Placeholder 4"/>
+          <p:cNvSpPr>
+            <a:spLocks noGrp="1"/>
+          </p:cNvSpPr>
+          <p:nvPr>
+            <p:ph type="body" sz="quarter" idx="3"/>
+          </p:nvPr>
+        </p:nvSpPr>
+        <p:spPr>
+          <a:xfrm>
+            <a:off x="685800" y="4400550"/>
+            <a:ext cx="5486400" cy="3600450"/>
+          </a:xfrm>
+          <a:prstGeom prst="rect">
+            <a:avLst/>
+          </a:prstGeom>
+        </p:spPr>
+        <p:txBody>
+          <a:bodyPr vert="horz" lIns="91440" tIns="45720" rIns="91440" bIns="45720" rtlCol="0"/>
+          <a:lstStyle/>
+          <a:p>
+            <a:pPr lvl="0"/>
+            <a:r>
+              <a:rPr lang="en-US" smtClean="0"/>
+              <a:t>Click to edit Master text styles</a:t>
+            </a:r>
+          </a:p>
+          <a:p>
+            <a:pPr lvl="1"/>
+            <a:r>
+              <a:rPr lang="en-US" smtClean="0"/>
+              <a:t>Second level</a:t>
+            </a:r>
+          </a:p>
+          <a:p>
+            <a:pPr lvl="2"/>
+            <a:r>
+              <a:rPr lang="en-US" smtClean="0"/>
+              <a:t>Third level</a:t>
+            </a:r>
+          </a:p>
+          <a:p>
+            <a:pPr lvl="3"/>
+            <a:r>
+              <a:rPr lang="en-US" smtClean="0"/>
+              <a:t>Fourth level</a:t>
+            </a:r>
+          </a:p>
+          <a:p>
+            <a:pPr lvl="4"/>
+            <a:r>
+              <a:rPr lang="en-US" smtClean="0"/>
+              <a:t>Fifth level</a:t>
+            </a:r>
+            <a:endParaRPr lang="en-US"/>
+          </a:p>
+        </p:txBody>
+      </p:sp>
+      <p:sp>
+        <p:nvSpPr>
+          <p:cNvPr id="6" name="Footer Placeholder 5"/>
+          <p:cNvSpPr>
+            <a:spLocks noGrp="1"/>
+          </p:cNvSpPr>
+          <p:nvPr>
+            <p:ph type="ftr" sz="quarter" idx="4"/>
+          </p:nvPr>
+        </p:nvSpPr>
+        <p:spPr>
+          <a:xfrm>
+            <a:off x="0" y="8685213"/>
+            <a:ext cx="2971800" cy="458787"/>
+          </a:xfrm>
+          <a:prstGeom prst="rect">
+            <a:avLst/>
+          </a:prstGeom>
+        </p:spPr>
+        <p:txBody>
+          <a:bodyPr vert="horz" lIns="91440" tIns="45720" rIns="91440" bIns="45720" rtlCol="0" anchor="b"/>
+          <a:lstStyle>
+            <a:lvl1pPr algn="l">
+              <a:defRPr sz="1200"/>
+            </a:lvl1pPr>
+          </a:lstStyle>
+          <a:p>
+            <a:endParaRPr lang="en-US"/>
+          </a:p>
+        </p:txBody>
+      </p:sp>
+      <p:sp>
+        <p:nvSpPr>
+          <p:cNvPr id="7" name="Slide Number Placeholder 6"/>
+          <p:cNvSpPr>
+            <a:spLocks noGrp="1"/>
+          </p:cNvSpPr>
+          <p:nvPr>
+            <p:ph type="sldNum" sz="quarter" idx="5"/>
+          </p:nvPr>
+        </p:nvSpPr>
+        <p:spPr>
+          <a:xfrm>
+            <a:off x="3884613" y="8685213"/>
+            <a:ext cx="2971800" cy="458787"/>
+          </a:xfrm>
+          <a:prstGeom prst="rect">
+            <a:avLst/>
+          </a:prstGeom>
+        </p:spPr>
+        <p:txBody>
+          <a:bodyPr vert="horz" lIns="91440" tIns="45720" rIns="91440" bIns="45720" rtlCol="0" anchor="b"/>
+          <a:lstStyle>
+            <a:lvl1pPr algn="r">
+              <a:defRPr sz="1200"/>
+            </a:lvl1pPr>
+          </a:lstStyle>
+          <a:p>
+            <a:fld id="{A5E14E19-9219-7D4E-A820-DC86A2143083}" type="slidenum">
+              <a:rPr lang="en-US" smtClean="0"/>
+              <a:t>‹#›</a:t>
+            </a:fld>
+            <a:endParaRPr lang="en-US"/>
+          </a:p>
+        </p:txBody>
+      </p:sp>
+    </p:spTree>
+    <p:extLst>
+      <p:ext uri="{BB962C8B-B14F-4D97-AF65-F5344CB8AC3E}">
+        <p14:creationId xmlns:p14="http://schemas.microsoft.com/office/powerpoint/2010/main" val="1667297201"/>
+      </p:ext>
+    </p:extLst>
+  </p:cSld>
+  <p:clrMap bg1="lt1" tx1="dk1" bg2="lt2" tx2="dk2" accent1="accent1" accent2="accent2" accent3="accent3" accent4="accent4" accent5="accent5" accent6="accent6" hlink="hlink" folHlink="folHlink"/>
+  <p:notesStyle>
+    <a:lvl1pPr marL="0" algn="l" defTabSz="914400" rtl="0" eaLnBrk="1" latinLnBrk="0" hangingPunct="1">
+      <a:defRPr sz="1200" kern="1200">
+        <a:solidFill>
+          <a:schemeClr val="tx1"/>
+        </a:solidFill>
+        <a:latin typeface="+mn-lt"/>
+        <a:ea typeface="+mn-ea"/>
+        <a:cs typeface="+mn-cs"/>
+      </a:defRPr>
+    </a:lvl1pPr>
+    <a:lvl2pPr marL="457200" algn="l" defTabSz="914400" rtl="0" eaLnBrk="1" latinLnBrk="0" hangingPunct="1">
+      <a:defRPr sz="1200" kern="1200">
+        <a:solidFill>
+          <a:schemeClr val="tx1"/>
+        </a:solidFill>
+        <a:latin typeface="+mn-lt"/>
+        <a:ea typeface="+mn-ea"/>
+        <a:cs typeface="+mn-cs"/>
+      </a:defRPr>
+    </a:lvl2pPr>
+    <a:lvl3pPr marL="914400" algn="l" defTabSz="914400" rtl="0" eaLnBrk="1" latinLnBrk="0" hangingPunct="1">
+      <a:defRPr sz="1200" kern="1200">
+        <a:solidFill>
+          <a:schemeClr val="tx1"/>
+        </a:solidFill>
+        <a:latin typeface="+mn-lt"/>
+        <a:ea typeface="+mn-ea"/>
+        <a:cs typeface="+mn-cs"/>
+      </a:defRPr>
+    </a:lvl3pPr>
+    <a:lvl4pPr marL="1371600" algn="l" defTabSz="914400" rtl="0" eaLnBrk="1" latinLnBrk="0" hangingPunct="1">
+      <a:defRPr sz="1200" kern="1200">
+        <a:solidFill>
+          <a:schemeClr val="tx1"/>
+        </a:solidFill>
+        <a:latin typeface="+mn-lt"/>
+        <a:ea typeface="+mn-ea"/>
+        <a:cs typeface="+mn-cs"/>
+      </a:defRPr>
+    </a:lvl4pPr>
+    <a:lvl5pPr marL="1828800" algn="l" defTabSz="914400" rtl="0" eaLnBrk="1" latinLnBrk="0" hangingPunct="1">
+      <a:defRPr sz="1200" kern="1200">
+        <a:solidFill>
+          <a:schemeClr val="tx1"/>
+        </a:solidFill>
+        <a:latin typeface="+mn-lt"/>
+        <a:ea typeface="+mn-ea"/>
+        <a:cs typeface="+mn-cs"/>
+      </a:defRPr>
+    </a:lvl5pPr>
+    <a:lvl6pPr marL="2286000" algn="l" defTabSz="914400" rtl="0" eaLnBrk="1" latinLnBrk="0" hangingPunct="1">
+      <a:defRPr sz="1200" kern="1200">
+        <a:solidFill>
+          <a:schemeClr val="tx1"/>
+        </a:solidFill>
+        <a:latin typeface="+mn-lt"/>
+        <a:ea typeface="+mn-ea"/>
+        <a:cs typeface="+mn-cs"/>
+      </a:defRPr>
+    </a:lvl6pPr>
+    <a:lvl7pPr marL="2743200" algn="l" defTabSz="914400" rtl="0" eaLnBrk="1" latinLnBrk="0" hangingPunct="1">
+      <a:defRPr sz="1200" kern="1200">
+        <a:solidFill>
+          <a:schemeClr val="tx1"/>
+        </a:solidFill>
+        <a:latin typeface="+mn-lt"/>
+        <a:ea typeface="+mn-ea"/>
+        <a:cs typeface="+mn-cs"/>
+      </a:defRPr>
+    </a:lvl7pPr>
+    <a:lvl8pPr marL="3200400" algn="l" defTabSz="914400" rtl="0" eaLnBrk="1" latinLnBrk="0" hangingPunct="1">
+      <a:defRPr sz="1200" kern="1200">
+        <a:solidFill>
+          <a:schemeClr val="tx1"/>
+        </a:solidFill>
+        <a:latin typeface="+mn-lt"/>
+        <a:ea typeface="+mn-ea"/>
+        <a:cs typeface="+mn-cs"/>
+      </a:defRPr>
+    </a:lvl8pPr>
+    <a:lvl9pPr marL="3657600" algn="l" defTabSz="914400" rtl="0" eaLnBrk="1" latinLnBrk="0" hangingPunct="1">
+      <a:defRPr sz="1200" kern="1200">
+        <a:solidFill>
+          <a:schemeClr val="tx1"/>
+        </a:solidFill>
+        <a:latin typeface="+mn-lt"/>
+        <a:ea typeface="+mn-ea"/>
+        <a:cs typeface="+mn-cs"/>
+      </a:defRPr>
+    </a:lvl9pPr>
+  </p:notesStyle>
+</p:notesMaster>
+</file>
+
 <file path=ppt/slideLayouts/slideLayout1.xml><?xml version="1.0" encoding="utf-8"?>
 <p:sldLayout xmlns:a="http://schemas.openxmlformats.org/drawingml/2006/main" xmlns:r="http://schemas.openxmlformats.org/officeDocument/2006/relationships" xmlns:p="http://schemas.openxmlformats.org/presentationml/2006/main" type="title" preserve="1">
   <p:cSld name="Title Slide">
@@ -244,7 +599,7 @@
           <a:p>
             <a:fld id="{F429E6A1-94FB-4C47-A3E3-496D32AEC9A2}" type="datetimeFigureOut">
               <a:rPr lang="en-US" smtClean="0"/>
-              <a:t>6/6/17</a:t>
+              <a:t>9/8/17</a:t>
             </a:fld>
             <a:endParaRPr lang="en-US"/>
           </a:p>
@@ -414,7 +769,7 @@
           <a:p>
             <a:fld id="{F429E6A1-94FB-4C47-A3E3-496D32AEC9A2}" type="datetimeFigureOut">
               <a:rPr lang="en-US" smtClean="0"/>
-              <a:t>6/6/17</a:t>
+              <a:t>9/8/17</a:t>
             </a:fld>
             <a:endParaRPr lang="en-US"/>
           </a:p>
@@ -594,7 +949,7 @@
           <a:p>
             <a:fld id="{F429E6A1-94FB-4C47-A3E3-496D32AEC9A2}" type="datetimeFigureOut">
               <a:rPr lang="en-US" smtClean="0"/>
-              <a:t>6/6/17</a:t>
+              <a:t>9/8/17</a:t>
             </a:fld>
             <a:endParaRPr lang="en-US"/>
           </a:p>
@@ -764,7 +1119,7 @@
           <a:p>
             <a:fld id="{F429E6A1-94FB-4C47-A3E3-496D32AEC9A2}" type="datetimeFigureOut">
               <a:rPr lang="en-US" smtClean="0"/>
-              <a:t>6/6/17</a:t>
+              <a:t>9/8/17</a:t>
             </a:fld>
             <a:endParaRPr lang="en-US"/>
           </a:p>
@@ -1010,7 +1365,7 @@
           <a:p>
             <a:fld id="{F429E6A1-94FB-4C47-A3E3-496D32AEC9A2}" type="datetimeFigureOut">
               <a:rPr lang="en-US" smtClean="0"/>
-              <a:t>6/6/17</a:t>
+              <a:t>9/8/17</a:t>
             </a:fld>
             <a:endParaRPr lang="en-US"/>
           </a:p>
@@ -1242,7 +1597,7 @@
           <a:p>
             <a:fld id="{F429E6A1-94FB-4C47-A3E3-496D32AEC9A2}" type="datetimeFigureOut">
               <a:rPr lang="en-US" smtClean="0"/>
-              <a:t>6/6/17</a:t>
+              <a:t>9/8/17</a:t>
             </a:fld>
             <a:endParaRPr lang="en-US"/>
           </a:p>
@@ -1609,7 +1964,7 @@
           <a:p>
             <a:fld id="{F429E6A1-94FB-4C47-A3E3-496D32AEC9A2}" type="datetimeFigureOut">
               <a:rPr lang="en-US" smtClean="0"/>
-              <a:t>6/6/17</a:t>
+              <a:t>9/8/17</a:t>
             </a:fld>
             <a:endParaRPr lang="en-US"/>
           </a:p>
@@ -1727,7 +2082,7 @@
           <a:p>
             <a:fld id="{F429E6A1-94FB-4C47-A3E3-496D32AEC9A2}" type="datetimeFigureOut">
               <a:rPr lang="en-US" smtClean="0"/>
-              <a:t>6/6/17</a:t>
+              <a:t>9/8/17</a:t>
             </a:fld>
             <a:endParaRPr lang="en-US"/>
           </a:p>
@@ -1822,7 +2177,7 @@
           <a:p>
             <a:fld id="{F429E6A1-94FB-4C47-A3E3-496D32AEC9A2}" type="datetimeFigureOut">
               <a:rPr lang="en-US" smtClean="0"/>
-              <a:t>6/6/17</a:t>
+              <a:t>9/8/17</a:t>
             </a:fld>
             <a:endParaRPr lang="en-US"/>
           </a:p>
@@ -2099,7 +2454,7 @@
           <a:p>
             <a:fld id="{F429E6A1-94FB-4C47-A3E3-496D32AEC9A2}" type="datetimeFigureOut">
               <a:rPr lang="en-US" smtClean="0"/>
-              <a:t>6/6/17</a:t>
+              <a:t>9/8/17</a:t>
             </a:fld>
             <a:endParaRPr lang="en-US"/>
           </a:p>
@@ -2352,7 +2707,7 @@
           <a:p>
             <a:fld id="{F429E6A1-94FB-4C47-A3E3-496D32AEC9A2}" type="datetimeFigureOut">
               <a:rPr lang="en-US" smtClean="0"/>
-              <a:t>6/6/17</a:t>
+              <a:t>9/8/17</a:t>
             </a:fld>
             <a:endParaRPr lang="en-US"/>
           </a:p>
@@ -2565,7 +2920,7 @@
           <a:p>
             <a:fld id="{F429E6A1-94FB-4C47-A3E3-496D32AEC9A2}" type="datetimeFigureOut">
               <a:rPr lang="en-US" smtClean="0"/>
-              <a:t>6/6/17</a:t>
+              <a:t>9/8/17</a:t>
             </a:fld>
             <a:endParaRPr lang="en-US"/>
           </a:p>
@@ -2978,8 +3333,8 @@
         </p:nvSpPr>
         <p:spPr>
           <a:xfrm>
-            <a:off x="554227" y="1003931"/>
-            <a:ext cx="3579950" cy="461665"/>
+            <a:off x="1172150" y="824821"/>
+            <a:ext cx="3490856" cy="830997"/>
           </a:xfrm>
           <a:prstGeom prst="rect">
             <a:avLst/>
@@ -2994,7 +3349,11 @@
           <a:p>
             <a:r>
               <a:rPr lang="en-US" sz="2400" dirty="0" smtClean="0"/>
-              <a:t>Gene expression profile</a:t>
+              <a:t>Gene expression </a:t>
+            </a:r>
+            <a:r>
+              <a:rPr lang="en-US" sz="2400" dirty="0" smtClean="0"/>
+              <a:t>values of a patient</a:t>
             </a:r>
             <a:endParaRPr lang="en-US" sz="2400" dirty="0"/>
           </a:p>
@@ -3009,7 +3368,7 @@
           <p:nvPr>
             <p:extLst>
               <p:ext uri="{D42A27DB-BD31-4B8C-83A1-F6EECF244321}">
-                <p14:modId xmlns:p14="http://schemas.microsoft.com/office/powerpoint/2010/main" val="1552543069"/>
+                <p14:modId xmlns:p14="http://schemas.microsoft.com/office/powerpoint/2010/main" val="1672460380"/>
               </p:ext>
             </p:extLst>
           </p:nvPr>
@@ -3034,10 +3393,10 @@
                     <a:lstStyle/>
                     <a:p>
                       <a:r>
-                        <a:rPr lang="en-US" sz="2000" b="0" dirty="0" smtClean="0"/>
+                        <a:rPr lang="en-US" sz="2000" b="0" i="1" dirty="0" smtClean="0"/>
                         <a:t>0.11</a:t>
                       </a:r>
-                      <a:endParaRPr lang="en-US" sz="2000" b="0" dirty="0"/>
+                      <a:endParaRPr lang="en-US" sz="2000" b="0" i="1" dirty="0"/>
                     </a:p>
                   </a:txBody>
                   <a:tcPr/>
@@ -3050,10 +3409,10 @@
                     <a:lstStyle/>
                     <a:p>
                       <a:r>
-                        <a:rPr lang="en-US" sz="2000" dirty="0" smtClean="0"/>
-                        <a:t>0.65</a:t>
-                      </a:r>
-                      <a:endParaRPr lang="en-US" sz="2000" dirty="0"/>
+                        <a:rPr lang="en-US" sz="2000" i="1" dirty="0" smtClean="0"/>
+                        <a:t>0.79</a:t>
+                      </a:r>
+                      <a:endParaRPr lang="en-US" sz="2000" i="1" dirty="0"/>
                     </a:p>
                   </a:txBody>
                   <a:tcPr/>
@@ -3066,10 +3425,10 @@
                     <a:lstStyle/>
                     <a:p>
                       <a:r>
-                        <a:rPr lang="en-US" sz="2000" dirty="0" smtClean="0"/>
+                        <a:rPr lang="en-US" sz="2000" i="1" dirty="0" smtClean="0"/>
                         <a:t>0.13</a:t>
                       </a:r>
-                      <a:endParaRPr lang="en-US" sz="2000" dirty="0"/>
+                      <a:endParaRPr lang="en-US" sz="2000" i="1" dirty="0"/>
                     </a:p>
                   </a:txBody>
                   <a:tcPr/>
@@ -3082,10 +3441,10 @@
                     <a:lstStyle/>
                     <a:p>
                       <a:r>
-                        <a:rPr lang="en-US" sz="2000" dirty="0" smtClean="0"/>
+                        <a:rPr lang="en-US" sz="2000" i="1" dirty="0" smtClean="0"/>
                         <a:t>...</a:t>
                       </a:r>
-                      <a:endParaRPr lang="en-US" sz="2000" dirty="0"/>
+                      <a:endParaRPr lang="en-US" sz="2000" i="1" dirty="0"/>
                     </a:p>
                   </a:txBody>
                   <a:tcPr/>
@@ -3098,10 +3457,10 @@
                     <a:lstStyle/>
                     <a:p>
                       <a:r>
-                        <a:rPr lang="en-US" sz="2000" dirty="0" smtClean="0"/>
-                        <a:t>0.84</a:t>
-                      </a:r>
-                      <a:endParaRPr lang="en-US" sz="2000" dirty="0"/>
+                        <a:rPr lang="en-US" sz="2000" i="1" dirty="0" smtClean="0"/>
+                        <a:t>0.54</a:t>
+                      </a:r>
+                      <a:endParaRPr lang="en-US" sz="2000" i="1" dirty="0"/>
                     </a:p>
                   </a:txBody>
                   <a:tcPr/>
@@ -3114,10 +3473,10 @@
                     <a:lstStyle/>
                     <a:p>
                       <a:r>
-                        <a:rPr lang="en-US" sz="2000" dirty="0" smtClean="0"/>
-                        <a:t>0.79</a:t>
-                      </a:r>
-                      <a:endParaRPr lang="en-US" sz="2000" dirty="0"/>
+                        <a:rPr lang="en-US" sz="2000" i="1" dirty="0" smtClean="0"/>
+                        <a:t>0.65</a:t>
+                      </a:r>
+                      <a:endParaRPr lang="en-US" sz="2000" i="1" dirty="0"/>
                     </a:p>
                   </a:txBody>
                   <a:tcPr/>
@@ -3135,29 +3494,33 @@
         </p:nvSpPr>
         <p:spPr>
           <a:xfrm>
-            <a:off x="4568877" y="2923293"/>
+            <a:off x="4939136" y="2901664"/>
             <a:ext cx="802228" cy="369332"/>
           </a:xfrm>
           <a:prstGeom prst="rightArrow">
             <a:avLst>
-              <a:gd name="adj1" fmla="val 31346"/>
-              <a:gd name="adj2" fmla="val 52331"/>
+              <a:gd name="adj1" fmla="val 38628"/>
+              <a:gd name="adj2" fmla="val 70535"/>
             </a:avLst>
           </a:prstGeom>
           <a:solidFill>
-            <a:schemeClr val="tx1"/>
+            <a:srgbClr val="FF0000"/>
           </a:solidFill>
-          <a:effectLst/>
+          <a:ln>
+            <a:solidFill>
+              <a:srgbClr val="FF0000"/>
+            </a:solidFill>
+          </a:ln>
         </p:spPr>
         <p:style>
           <a:lnRef idx="1">
-            <a:schemeClr val="dk1"/>
+            <a:schemeClr val="accent2"/>
           </a:lnRef>
           <a:fillRef idx="3">
-            <a:schemeClr val="dk1"/>
+            <a:schemeClr val="accent2"/>
           </a:fillRef>
           <a:effectRef idx="2">
-            <a:schemeClr val="dk1"/>
+            <a:schemeClr val="accent2"/>
           </a:effectRef>
           <a:fontRef idx="minor">
             <a:schemeClr val="lt1"/>
@@ -3187,301 +3550,6 @@
       </p:sp>
       <p:graphicFrame>
         <p:nvGraphicFramePr>
-          <p:cNvPr id="7" name="Table 6"/>
-          <p:cNvGraphicFramePr>
-            <a:graphicFrameLocks noGrp="1"/>
-          </p:cNvGraphicFramePr>
-          <p:nvPr>
-            <p:extLst>
-              <p:ext uri="{D42A27DB-BD31-4B8C-83A1-F6EECF244321}">
-                <p14:modId xmlns:p14="http://schemas.microsoft.com/office/powerpoint/2010/main" val="1665049633"/>
-              </p:ext>
-            </p:extLst>
-          </p:nvPr>
-        </p:nvGraphicFramePr>
-        <p:xfrm>
-          <a:off x="861208" y="1919240"/>
-          <a:ext cx="1482994" cy="2377440"/>
-        </p:xfrm>
-        <a:graphic>
-          <a:graphicData uri="http://schemas.openxmlformats.org/drawingml/2006/table">
-            <a:tbl>
-              <a:tblPr firstRow="1" bandRow="1">
-                <a:tableStyleId>{22838BEF-8BB2-4498-84A7-C5851F593DF1}</a:tableStyleId>
-              </a:tblPr>
-              <a:tblGrid>
-                <a:gridCol w="1482994"/>
-              </a:tblGrid>
-              <a:tr h="370840">
-                <a:tc>
-                  <a:txBody>
-                    <a:bodyPr/>
-                    <a:lstStyle/>
-                    <a:p>
-                      <a:r>
-                        <a:rPr lang="en-US" sz="2000" b="0" dirty="0" smtClean="0"/>
-                        <a:t>Gene_1</a:t>
-                      </a:r>
-                      <a:endParaRPr lang="en-US" sz="2000" b="0" dirty="0"/>
-                    </a:p>
-                  </a:txBody>
-                  <a:tcPr>
-                    <a:lnL w="12700" cmpd="sng">
-                      <a:noFill/>
-                    </a:lnL>
-                    <a:lnR w="12700" cmpd="sng">
-                      <a:noFill/>
-                    </a:lnR>
-                    <a:lnT w="12700" cmpd="sng">
-                      <a:noFill/>
-                    </a:lnT>
-                    <a:lnB w="12700" cap="flat" cmpd="sng" algn="ctr">
-                      <a:noFill/>
-                      <a:prstDash val="solid"/>
-                      <a:round/>
-                      <a:headEnd type="none" w="med" len="med"/>
-                      <a:tailEnd type="none" w="med" len="med"/>
-                    </a:lnB>
-                    <a:lnTlToBr w="12700" cmpd="sng">
-                      <a:noFill/>
-                      <a:prstDash val="solid"/>
-                    </a:lnTlToBr>
-                    <a:lnBlToTr w="12700" cmpd="sng">
-                      <a:noFill/>
-                      <a:prstDash val="solid"/>
-                    </a:lnBlToTr>
-                    <a:noFill/>
-                  </a:tcPr>
-                </a:tc>
-              </a:tr>
-              <a:tr h="370840">
-                <a:tc>
-                  <a:txBody>
-                    <a:bodyPr/>
-                    <a:lstStyle/>
-                    <a:p>
-                      <a:r>
-                        <a:rPr lang="en-US" sz="2000" dirty="0" smtClean="0"/>
-                        <a:t>Gene_2</a:t>
-                      </a:r>
-                      <a:endParaRPr lang="en-US" sz="2000" dirty="0"/>
-                    </a:p>
-                  </a:txBody>
-                  <a:tcPr>
-                    <a:lnL w="12700" cmpd="sng">
-                      <a:noFill/>
-                    </a:lnL>
-                    <a:lnR w="12700" cmpd="sng">
-                      <a:noFill/>
-                    </a:lnR>
-                    <a:lnT w="12700" cap="flat" cmpd="sng" algn="ctr">
-                      <a:noFill/>
-                      <a:prstDash val="solid"/>
-                      <a:round/>
-                      <a:headEnd type="none" w="med" len="med"/>
-                      <a:tailEnd type="none" w="med" len="med"/>
-                    </a:lnT>
-                    <a:lnB w="12700" cap="flat" cmpd="sng" algn="ctr">
-                      <a:noFill/>
-                      <a:prstDash val="solid"/>
-                      <a:round/>
-                      <a:headEnd type="none" w="med" len="med"/>
-                      <a:tailEnd type="none" w="med" len="med"/>
-                    </a:lnB>
-                    <a:lnTlToBr w="12700" cmpd="sng">
-                      <a:noFill/>
-                      <a:prstDash val="solid"/>
-                    </a:lnTlToBr>
-                    <a:lnBlToTr w="12700" cmpd="sng">
-                      <a:noFill/>
-                      <a:prstDash val="solid"/>
-                    </a:lnBlToTr>
-                    <a:noFill/>
-                  </a:tcPr>
-                </a:tc>
-              </a:tr>
-              <a:tr h="370840">
-                <a:tc>
-                  <a:txBody>
-                    <a:bodyPr/>
-                    <a:lstStyle/>
-                    <a:p>
-                      <a:r>
-                        <a:rPr lang="en-US" sz="2000" dirty="0" smtClean="0"/>
-                        <a:t>Gene_3</a:t>
-                      </a:r>
-                      <a:endParaRPr lang="en-US" sz="2000" dirty="0"/>
-                    </a:p>
-                  </a:txBody>
-                  <a:tcPr>
-                    <a:lnL w="12700" cmpd="sng">
-                      <a:noFill/>
-                    </a:lnL>
-                    <a:lnR w="12700" cmpd="sng">
-                      <a:noFill/>
-                    </a:lnR>
-                    <a:lnT w="12700" cap="flat" cmpd="sng" algn="ctr">
-                      <a:noFill/>
-                      <a:prstDash val="solid"/>
-                      <a:round/>
-                      <a:headEnd type="none" w="med" len="med"/>
-                      <a:tailEnd type="none" w="med" len="med"/>
-                    </a:lnT>
-                    <a:lnB w="12700" cap="flat" cmpd="sng" algn="ctr">
-                      <a:noFill/>
-                      <a:prstDash val="solid"/>
-                      <a:round/>
-                      <a:headEnd type="none" w="med" len="med"/>
-                      <a:tailEnd type="none" w="med" len="med"/>
-                    </a:lnB>
-                    <a:lnTlToBr w="12700" cmpd="sng">
-                      <a:noFill/>
-                      <a:prstDash val="solid"/>
-                    </a:lnTlToBr>
-                    <a:lnBlToTr w="12700" cmpd="sng">
-                      <a:noFill/>
-                      <a:prstDash val="solid"/>
-                    </a:lnBlToTr>
-                    <a:noFill/>
-                  </a:tcPr>
-                </a:tc>
-              </a:tr>
-              <a:tr h="370840">
-                <a:tc>
-                  <a:txBody>
-                    <a:bodyPr/>
-                    <a:lstStyle/>
-                    <a:p>
-                      <a:r>
-                        <a:rPr lang="en-US" sz="2000" dirty="0" smtClean="0"/>
-                        <a:t>…</a:t>
-                      </a:r>
-                      <a:endParaRPr lang="en-US" sz="2000" dirty="0"/>
-                    </a:p>
-                  </a:txBody>
-                  <a:tcPr>
-                    <a:lnL w="12700" cmpd="sng">
-                      <a:noFill/>
-                    </a:lnL>
-                    <a:lnR w="12700" cmpd="sng">
-                      <a:noFill/>
-                    </a:lnR>
-                    <a:lnT w="12700" cap="flat" cmpd="sng" algn="ctr">
-                      <a:noFill/>
-                      <a:prstDash val="solid"/>
-                      <a:round/>
-                      <a:headEnd type="none" w="med" len="med"/>
-                      <a:tailEnd type="none" w="med" len="med"/>
-                    </a:lnT>
-                    <a:lnB w="12700" cap="flat" cmpd="sng" algn="ctr">
-                      <a:noFill/>
-                      <a:prstDash val="solid"/>
-                      <a:round/>
-                      <a:headEnd type="none" w="med" len="med"/>
-                      <a:tailEnd type="none" w="med" len="med"/>
-                    </a:lnB>
-                    <a:lnTlToBr w="12700" cmpd="sng">
-                      <a:noFill/>
-                      <a:prstDash val="solid"/>
-                    </a:lnTlToBr>
-                    <a:lnBlToTr w="12700" cmpd="sng">
-                      <a:noFill/>
-                      <a:prstDash val="solid"/>
-                    </a:lnBlToTr>
-                    <a:noFill/>
-                  </a:tcPr>
-                </a:tc>
-              </a:tr>
-              <a:tr h="370840">
-                <a:tc>
-                  <a:txBody>
-                    <a:bodyPr/>
-                    <a:lstStyle/>
-                    <a:p>
-                      <a:r>
-                        <a:rPr lang="en-US" sz="2000" dirty="0" smtClean="0"/>
-                        <a:t>Gene_(p-1)</a:t>
-                      </a:r>
-                      <a:endParaRPr lang="en-US" sz="2000" dirty="0"/>
-                    </a:p>
-                  </a:txBody>
-                  <a:tcPr>
-                    <a:lnL w="12700" cmpd="sng">
-                      <a:noFill/>
-                    </a:lnL>
-                    <a:lnR w="12700" cmpd="sng">
-                      <a:noFill/>
-                    </a:lnR>
-                    <a:lnT w="12700" cap="flat" cmpd="sng" algn="ctr">
-                      <a:noFill/>
-                      <a:prstDash val="solid"/>
-                      <a:round/>
-                      <a:headEnd type="none" w="med" len="med"/>
-                      <a:tailEnd type="none" w="med" len="med"/>
-                    </a:lnT>
-                    <a:lnB w="12700" cmpd="sng">
-                      <a:noFill/>
-                    </a:lnB>
-                    <a:lnTlToBr w="12700" cmpd="sng">
-                      <a:noFill/>
-                      <a:prstDash val="solid"/>
-                    </a:lnTlToBr>
-                    <a:lnBlToTr w="12700" cmpd="sng">
-                      <a:noFill/>
-                      <a:prstDash val="solid"/>
-                    </a:lnBlToTr>
-                    <a:noFill/>
-                  </a:tcPr>
-                </a:tc>
-              </a:tr>
-              <a:tr h="370840">
-                <a:tc>
-                  <a:txBody>
-                    <a:bodyPr/>
-                    <a:lstStyle/>
-                    <a:p>
-                      <a:r>
-                        <a:rPr lang="en-US" sz="2000" dirty="0" err="1" smtClean="0"/>
-                        <a:t>Gene_p</a:t>
-                      </a:r>
-                      <a:endParaRPr lang="en-US" sz="2000" dirty="0"/>
-                    </a:p>
-                  </a:txBody>
-                  <a:tcPr>
-                    <a:lnL w="12700" cmpd="sng">
-                      <a:noFill/>
-                    </a:lnL>
-                    <a:lnR w="12700" cmpd="sng">
-                      <a:noFill/>
-                    </a:lnR>
-                    <a:lnT w="12700" cap="flat" cmpd="sng" algn="ctr">
-                      <a:noFill/>
-                      <a:prstDash val="solid"/>
-                      <a:round/>
-                      <a:headEnd type="none" w="med" len="med"/>
-                      <a:tailEnd type="none" w="med" len="med"/>
-                    </a:lnT>
-                    <a:lnB w="12700" cmpd="sng">
-                      <a:noFill/>
-                    </a:lnB>
-                    <a:lnTlToBr w="12700" cmpd="sng">
-                      <a:noFill/>
-                      <a:prstDash val="solid"/>
-                    </a:lnTlToBr>
-                    <a:lnBlToTr w="12700" cmpd="sng">
-                      <a:noFill/>
-                      <a:prstDash val="solid"/>
-                    </a:lnBlToTr>
-                    <a:noFill/>
-                  </a:tcPr>
-                </a:tc>
-              </a:tr>
-            </a:tbl>
-          </a:graphicData>
-        </a:graphic>
-      </p:graphicFrame>
-      <p:graphicFrame>
-        <p:nvGraphicFramePr>
           <p:cNvPr id="8" name="Table 7"/>
           <p:cNvGraphicFramePr>
             <a:graphicFrameLocks noGrp="1"/>
@@ -3489,7 +3557,7 @@
           <p:nvPr>
             <p:extLst>
               <p:ext uri="{D42A27DB-BD31-4B8C-83A1-F6EECF244321}">
-                <p14:modId xmlns:p14="http://schemas.microsoft.com/office/powerpoint/2010/main" val="629777774"/>
+                <p14:modId xmlns:p14="http://schemas.microsoft.com/office/powerpoint/2010/main" val="628151077"/>
               </p:ext>
             </p:extLst>
           </p:nvPr>
@@ -3514,10 +3582,10 @@
                     <a:lstStyle/>
                     <a:p>
                       <a:r>
-                        <a:rPr lang="en-US" sz="2000" b="0" dirty="0" smtClean="0"/>
+                        <a:rPr lang="en-US" sz="2000" b="0" i="1" dirty="0" smtClean="0"/>
                         <a:t>1</a:t>
                       </a:r>
-                      <a:endParaRPr lang="en-US" sz="2000" b="0" dirty="0"/>
+                      <a:endParaRPr lang="en-US" sz="2000" b="0" i="1" dirty="0"/>
                     </a:p>
                   </a:txBody>
                   <a:tcPr/>
@@ -3530,10 +3598,10 @@
                     <a:lstStyle/>
                     <a:p>
                       <a:r>
-                        <a:rPr lang="mr-IN" sz="2000" dirty="0" smtClean="0"/>
+                        <a:rPr lang="mr-IN" sz="2000" i="1" dirty="0" smtClean="0"/>
                         <a:t>…</a:t>
                       </a:r>
-                      <a:endParaRPr lang="en-US" sz="2000" dirty="0"/>
+                      <a:endParaRPr lang="en-US" sz="2000" i="1" dirty="0"/>
                     </a:p>
                   </a:txBody>
                   <a:tcPr/>
@@ -3546,10 +3614,10 @@
                     <a:lstStyle/>
                     <a:p>
                       <a:r>
-                        <a:rPr lang="en-US" sz="2000" dirty="0" smtClean="0"/>
+                        <a:rPr lang="en-US" sz="2000" i="1" dirty="0" smtClean="0"/>
                         <a:t>1</a:t>
                       </a:r>
-                      <a:endParaRPr lang="en-US" sz="2000" dirty="0"/>
+                      <a:endParaRPr lang="en-US" sz="2000" i="1" dirty="0"/>
                     </a:p>
                   </a:txBody>
                   <a:tcPr/>
@@ -3562,10 +3630,10 @@
                     <a:lstStyle/>
                     <a:p>
                       <a:r>
-                        <a:rPr lang="en-US" sz="2000" dirty="0" smtClean="0"/>
-                        <a:t>0</a:t>
-                      </a:r>
-                      <a:endParaRPr lang="en-US" sz="2000" dirty="0"/>
+                        <a:rPr lang="en-US" sz="2000" i="1" dirty="0" smtClean="0"/>
+                        <a:t>-1</a:t>
+                      </a:r>
+                      <a:endParaRPr lang="en-US" sz="2000" i="1" dirty="0"/>
                     </a:p>
                   </a:txBody>
                   <a:tcPr/>
@@ -3578,10 +3646,10 @@
                     <a:lstStyle/>
                     <a:p>
                       <a:r>
-                        <a:rPr lang="en-US" sz="2000" dirty="0" smtClean="0"/>
+                        <a:rPr lang="en-US" sz="2000" i="1" dirty="0" smtClean="0"/>
                         <a:t>…</a:t>
                       </a:r>
-                      <a:endParaRPr lang="en-US" sz="2000" dirty="0"/>
+                      <a:endParaRPr lang="en-US" sz="2000" i="1" dirty="0"/>
                     </a:p>
                   </a:txBody>
                   <a:tcPr/>
@@ -3594,10 +3662,10 @@
                     <a:lstStyle/>
                     <a:p>
                       <a:r>
-                        <a:rPr lang="en-US" sz="2000" dirty="0" smtClean="0"/>
-                        <a:t>1</a:t>
-                      </a:r>
-                      <a:endParaRPr lang="en-US" sz="2000" dirty="0"/>
+                        <a:rPr lang="en-US" sz="2000" i="1" dirty="0" smtClean="0"/>
+                        <a:t>-1</a:t>
+                      </a:r>
+                      <a:endParaRPr lang="en-US" sz="2000" i="1" dirty="0"/>
                     </a:p>
                   </a:txBody>
                   <a:tcPr/>
@@ -3610,10 +3678,10 @@
                     <a:lstStyle/>
                     <a:p>
                       <a:r>
-                        <a:rPr lang="en-US" sz="2000" dirty="0" smtClean="0"/>
+                        <a:rPr lang="en-US" sz="2000" i="1" dirty="0" smtClean="0"/>
                         <a:t>…</a:t>
                       </a:r>
-                      <a:endParaRPr lang="en-US" sz="2000" dirty="0"/>
+                      <a:endParaRPr lang="en-US" sz="2000" i="1" dirty="0"/>
                     </a:p>
                   </a:txBody>
                   <a:tcPr/>
@@ -3626,10 +3694,10 @@
                     <a:lstStyle/>
                     <a:p>
                       <a:r>
-                        <a:rPr lang="en-US" sz="2000" dirty="0" smtClean="0"/>
-                        <a:t>0</a:t>
-                      </a:r>
-                      <a:endParaRPr lang="en-US" sz="2000" dirty="0"/>
+                        <a:rPr lang="en-US" sz="2000" i="1" dirty="0" smtClean="0"/>
+                        <a:t>1</a:t>
+                      </a:r>
+                      <a:endParaRPr lang="en-US" sz="2000" i="1" dirty="0"/>
                     </a:p>
                   </a:txBody>
                   <a:tcPr/>
@@ -3639,23 +3707,185 @@
           </a:graphicData>
         </a:graphic>
       </p:graphicFrame>
+      <p:sp>
+        <p:nvSpPr>
+          <p:cNvPr id="10" name="TextBox 9"/>
+          <p:cNvSpPr txBox="1"/>
+          <p:nvPr/>
+        </p:nvSpPr>
+        <p:spPr>
+          <a:xfrm>
+            <a:off x="6377094" y="1009486"/>
+            <a:ext cx="3142577" cy="461665"/>
+          </a:xfrm>
+          <a:prstGeom prst="rect">
+            <a:avLst/>
+          </a:prstGeom>
+          <a:noFill/>
+        </p:spPr>
+        <p:txBody>
+          <a:bodyPr wrap="square" rtlCol="0">
+            <a:spAutoFit/>
+          </a:bodyPr>
+          <a:lstStyle/>
+          <a:p>
+            <a:r>
+              <a:rPr lang="en-US" sz="2400" dirty="0" smtClean="0"/>
+              <a:t>New representation</a:t>
+            </a:r>
+            <a:endParaRPr lang="en-US" sz="2400" dirty="0"/>
+          </a:p>
+        </p:txBody>
+      </p:sp>
+      <p:sp>
+        <p:nvSpPr>
+          <p:cNvPr id="2" name="TextBox 1"/>
+          <p:cNvSpPr txBox="1"/>
+          <p:nvPr/>
+        </p:nvSpPr>
+        <p:spPr>
+          <a:xfrm>
+            <a:off x="3102707" y="3938711"/>
+            <a:ext cx="1343829" cy="461665"/>
+          </a:xfrm>
+          <a:prstGeom prst="rect">
+            <a:avLst/>
+          </a:prstGeom>
+          <a:noFill/>
+        </p:spPr>
+        <p:txBody>
+          <a:bodyPr wrap="none" rtlCol="0">
+            <a:spAutoFit/>
+          </a:bodyPr>
+          <a:lstStyle/>
+          <a:p>
+            <a:r>
+              <a:rPr lang="en-US" sz="2400" dirty="0" smtClean="0"/>
+              <a:t>Length: </a:t>
+            </a:r>
+            <a:r>
+              <a:rPr lang="en-US" sz="2400" i="1" dirty="0"/>
+              <a:t>n</a:t>
+            </a:r>
+            <a:endParaRPr lang="en-US" sz="2400" i="1" dirty="0"/>
+          </a:p>
+        </p:txBody>
+      </p:sp>
+      <p:sp>
+        <p:nvSpPr>
+          <p:cNvPr id="11" name="TextBox 10"/>
+          <p:cNvSpPr txBox="1"/>
+          <p:nvPr/>
+        </p:nvSpPr>
+        <p:spPr>
+          <a:xfrm>
+            <a:off x="9249808" y="3938711"/>
+            <a:ext cx="2212657" cy="461665"/>
+          </a:xfrm>
+          <a:prstGeom prst="rect">
+            <a:avLst/>
+          </a:prstGeom>
+          <a:noFill/>
+        </p:spPr>
+        <p:txBody>
+          <a:bodyPr wrap="none" rtlCol="0">
+            <a:spAutoFit/>
+          </a:bodyPr>
+          <a:lstStyle/>
+          <a:p>
+            <a:r>
+              <a:rPr lang="en-US" sz="2400" dirty="0" smtClean="0"/>
+              <a:t>Length: </a:t>
+            </a:r>
+            <a:r>
+              <a:rPr lang="en-US" sz="2400" i="1" dirty="0" smtClean="0"/>
+              <a:t>n(n-1</a:t>
+            </a:r>
+            <a:r>
+              <a:rPr lang="en-US" sz="2400" i="1" dirty="0" smtClean="0"/>
+              <a:t>)/2</a:t>
+            </a:r>
+            <a:endParaRPr lang="en-US" sz="2400" i="1" dirty="0"/>
+          </a:p>
+        </p:txBody>
+      </p:sp>
+      <p:sp>
+        <p:nvSpPr>
+          <p:cNvPr id="12" name="TextBox 11"/>
+          <p:cNvSpPr txBox="1"/>
+          <p:nvPr/>
+        </p:nvSpPr>
+        <p:spPr>
+          <a:xfrm>
+            <a:off x="3102707" y="4400376"/>
+            <a:ext cx="1560299" cy="461665"/>
+          </a:xfrm>
+          <a:prstGeom prst="rect">
+            <a:avLst/>
+          </a:prstGeom>
+          <a:noFill/>
+        </p:spPr>
+        <p:txBody>
+          <a:bodyPr wrap="none" rtlCol="0">
+            <a:spAutoFit/>
+          </a:bodyPr>
+          <a:lstStyle/>
+          <a:p>
+            <a:r>
+              <a:rPr lang="en-US" sz="2400" dirty="0" smtClean="0"/>
+              <a:t>Value: Real</a:t>
+            </a:r>
+            <a:endParaRPr lang="en-US" sz="2400" i="1" dirty="0"/>
+          </a:p>
+        </p:txBody>
+      </p:sp>
+      <p:sp>
+        <p:nvSpPr>
+          <p:cNvPr id="13" name="TextBox 12"/>
+          <p:cNvSpPr txBox="1"/>
+          <p:nvPr/>
+        </p:nvSpPr>
+        <p:spPr>
+          <a:xfrm>
+            <a:off x="9249808" y="4400377"/>
+            <a:ext cx="1821653" cy="461665"/>
+          </a:xfrm>
+          <a:prstGeom prst="rect">
+            <a:avLst/>
+          </a:prstGeom>
+          <a:noFill/>
+        </p:spPr>
+        <p:txBody>
+          <a:bodyPr wrap="none" rtlCol="0">
+            <a:spAutoFit/>
+          </a:bodyPr>
+          <a:lstStyle/>
+          <a:p>
+            <a:r>
+              <a:rPr lang="en-US" sz="2400" dirty="0" smtClean="0"/>
+              <a:t>Value: Binary</a:t>
+            </a:r>
+            <a:endParaRPr lang="en-US" sz="2400" i="1" dirty="0"/>
+          </a:p>
+        </p:txBody>
+      </p:sp>
       <p:graphicFrame>
         <p:nvGraphicFramePr>
-          <p:cNvPr id="9" name="Table 8"/>
+          <p:cNvPr id="3" name="Table 2"/>
           <p:cNvGraphicFramePr>
             <a:graphicFrameLocks noGrp="1"/>
           </p:cNvGraphicFramePr>
           <p:nvPr>
             <p:extLst>
               <p:ext uri="{D42A27DB-BD31-4B8C-83A1-F6EECF244321}">
-                <p14:modId xmlns:p14="http://schemas.microsoft.com/office/powerpoint/2010/main" val="1875635202"/>
+                <p14:modId xmlns:p14="http://schemas.microsoft.com/office/powerpoint/2010/main" val="305542487"/>
               </p:ext>
             </p:extLst>
           </p:nvPr>
         </p:nvGraphicFramePr>
         <p:xfrm>
-          <a:off x="5833202" y="1686036"/>
-          <a:ext cx="2657902" cy="3169920"/>
+          <a:off x="1172149" y="1919240"/>
+          <a:ext cx="1171854" cy="2377440"/>
         </p:xfrm>
         <a:graphic>
           <a:graphicData uri="http://schemas.openxmlformats.org/drawingml/2006/table">
@@ -3664,7 +3894,7 @@
                 <a:tableStyleId>{22838BEF-8BB2-4498-84A7-C5851F593DF1}</a:tableStyleId>
               </a:tblPr>
               <a:tblGrid>
-                <a:gridCol w="2657902"/>
+                <a:gridCol w="1171854"/>
               </a:tblGrid>
               <a:tr h="370840">
                 <a:tc>
@@ -3674,7 +3904,359 @@
                     <a:p>
                       <a:r>
                         <a:rPr lang="en-US" sz="2000" b="0" dirty="0" smtClean="0"/>
-                        <a:t>Gene_1 &lt; Gene_2?</a:t>
+                        <a:t>Gene</a:t>
+                      </a:r>
+                      <a:r>
+                        <a:rPr lang="en-US" sz="2000" b="0" i="1" baseline="-25000" dirty="0" smtClean="0"/>
+                        <a:t>1</a:t>
+                      </a:r>
+                      <a:endParaRPr lang="en-US" sz="2000" b="0" i="1" baseline="-25000" dirty="0"/>
+                    </a:p>
+                  </a:txBody>
+                  <a:tcPr>
+                    <a:lnL w="12700" cmpd="sng">
+                      <a:noFill/>
+                    </a:lnL>
+                    <a:lnR w="12700" cmpd="sng">
+                      <a:noFill/>
+                    </a:lnR>
+                    <a:lnT w="12700" cmpd="sng">
+                      <a:noFill/>
+                    </a:lnT>
+                    <a:lnB w="12700" cap="flat" cmpd="sng" algn="ctr">
+                      <a:noFill/>
+                      <a:prstDash val="solid"/>
+                      <a:round/>
+                      <a:headEnd type="none" w="med" len="med"/>
+                      <a:tailEnd type="none" w="med" len="med"/>
+                    </a:lnB>
+                    <a:lnTlToBr w="12700" cmpd="sng">
+                      <a:noFill/>
+                      <a:prstDash val="solid"/>
+                    </a:lnTlToBr>
+                    <a:lnBlToTr w="12700" cmpd="sng">
+                      <a:noFill/>
+                      <a:prstDash val="solid"/>
+                    </a:lnBlToTr>
+                    <a:noFill/>
+                  </a:tcPr>
+                </a:tc>
+              </a:tr>
+              <a:tr h="370840">
+                <a:tc>
+                  <a:txBody>
+                    <a:bodyPr/>
+                    <a:lstStyle/>
+                    <a:p>
+                      <a:r>
+                        <a:rPr lang="en-US" sz="2000" dirty="0" smtClean="0"/>
+                        <a:t>Gene</a:t>
+                      </a:r>
+                      <a:r>
+                        <a:rPr lang="en-US" sz="2000" i="1" baseline="-25000" dirty="0" smtClean="0"/>
+                        <a:t>2</a:t>
+                      </a:r>
+                      <a:endParaRPr lang="en-US" sz="2000" i="1" baseline="-25000" dirty="0"/>
+                    </a:p>
+                  </a:txBody>
+                  <a:tcPr>
+                    <a:lnL w="12700" cmpd="sng">
+                      <a:noFill/>
+                    </a:lnL>
+                    <a:lnR w="12700" cmpd="sng">
+                      <a:noFill/>
+                    </a:lnR>
+                    <a:lnT w="12700" cap="flat" cmpd="sng" algn="ctr">
+                      <a:noFill/>
+                      <a:prstDash val="solid"/>
+                      <a:round/>
+                      <a:headEnd type="none" w="med" len="med"/>
+                      <a:tailEnd type="none" w="med" len="med"/>
+                    </a:lnT>
+                    <a:lnB w="12700" cap="flat" cmpd="sng" algn="ctr">
+                      <a:noFill/>
+                      <a:prstDash val="solid"/>
+                      <a:round/>
+                      <a:headEnd type="none" w="med" len="med"/>
+                      <a:tailEnd type="none" w="med" len="med"/>
+                    </a:lnB>
+                    <a:lnTlToBr w="12700" cmpd="sng">
+                      <a:noFill/>
+                      <a:prstDash val="solid"/>
+                    </a:lnTlToBr>
+                    <a:lnBlToTr w="12700" cmpd="sng">
+                      <a:noFill/>
+                      <a:prstDash val="solid"/>
+                    </a:lnBlToTr>
+                    <a:noFill/>
+                  </a:tcPr>
+                </a:tc>
+              </a:tr>
+              <a:tr h="370840">
+                <a:tc>
+                  <a:txBody>
+                    <a:bodyPr/>
+                    <a:lstStyle/>
+                    <a:p>
+                      <a:r>
+                        <a:rPr lang="en-US" sz="2000" dirty="0" smtClean="0"/>
+                        <a:t>Gene</a:t>
+                      </a:r>
+                      <a:r>
+                        <a:rPr lang="en-US" sz="2000" i="1" baseline="-25000" dirty="0" smtClean="0"/>
+                        <a:t>3</a:t>
+                      </a:r>
+                      <a:endParaRPr lang="en-US" sz="2000" i="1" baseline="-25000" dirty="0"/>
+                    </a:p>
+                  </a:txBody>
+                  <a:tcPr>
+                    <a:lnL w="12700" cmpd="sng">
+                      <a:noFill/>
+                    </a:lnL>
+                    <a:lnR w="12700" cmpd="sng">
+                      <a:noFill/>
+                    </a:lnR>
+                    <a:lnT w="12700" cap="flat" cmpd="sng" algn="ctr">
+                      <a:noFill/>
+                      <a:prstDash val="solid"/>
+                      <a:round/>
+                      <a:headEnd type="none" w="med" len="med"/>
+                      <a:tailEnd type="none" w="med" len="med"/>
+                    </a:lnT>
+                    <a:lnB w="12700" cap="flat" cmpd="sng" algn="ctr">
+                      <a:noFill/>
+                      <a:prstDash val="solid"/>
+                      <a:round/>
+                      <a:headEnd type="none" w="med" len="med"/>
+                      <a:tailEnd type="none" w="med" len="med"/>
+                    </a:lnB>
+                    <a:lnTlToBr w="12700" cmpd="sng">
+                      <a:noFill/>
+                      <a:prstDash val="solid"/>
+                    </a:lnTlToBr>
+                    <a:lnBlToTr w="12700" cmpd="sng">
+                      <a:noFill/>
+                      <a:prstDash val="solid"/>
+                    </a:lnBlToTr>
+                    <a:noFill/>
+                  </a:tcPr>
+                </a:tc>
+              </a:tr>
+              <a:tr h="370840">
+                <a:tc>
+                  <a:txBody>
+                    <a:bodyPr/>
+                    <a:lstStyle/>
+                    <a:p>
+                      <a:r>
+                        <a:rPr lang="en-US" sz="2000" dirty="0" smtClean="0"/>
+                        <a:t>…</a:t>
+                      </a:r>
+                      <a:endParaRPr lang="en-US" sz="2000" dirty="0"/>
+                    </a:p>
+                  </a:txBody>
+                  <a:tcPr>
+                    <a:lnL w="12700" cmpd="sng">
+                      <a:noFill/>
+                    </a:lnL>
+                    <a:lnR w="12700" cmpd="sng">
+                      <a:noFill/>
+                    </a:lnR>
+                    <a:lnT w="12700" cap="flat" cmpd="sng" algn="ctr">
+                      <a:noFill/>
+                      <a:prstDash val="solid"/>
+                      <a:round/>
+                      <a:headEnd type="none" w="med" len="med"/>
+                      <a:tailEnd type="none" w="med" len="med"/>
+                    </a:lnT>
+                    <a:lnB w="12700" cap="flat" cmpd="sng" algn="ctr">
+                      <a:noFill/>
+                      <a:prstDash val="solid"/>
+                      <a:round/>
+                      <a:headEnd type="none" w="med" len="med"/>
+                      <a:tailEnd type="none" w="med" len="med"/>
+                    </a:lnB>
+                    <a:lnTlToBr w="12700" cmpd="sng">
+                      <a:noFill/>
+                      <a:prstDash val="solid"/>
+                    </a:lnTlToBr>
+                    <a:lnBlToTr w="12700" cmpd="sng">
+                      <a:noFill/>
+                      <a:prstDash val="solid"/>
+                    </a:lnBlToTr>
+                    <a:noFill/>
+                  </a:tcPr>
+                </a:tc>
+              </a:tr>
+              <a:tr h="370840">
+                <a:tc>
+                  <a:txBody>
+                    <a:bodyPr/>
+                    <a:lstStyle/>
+                    <a:p>
+                      <a:r>
+                        <a:rPr lang="en-US" sz="2000" dirty="0" smtClean="0"/>
+                        <a:t>Gene</a:t>
+                      </a:r>
+                      <a:r>
+                        <a:rPr lang="en-US" sz="2000" i="1" baseline="-25000" dirty="0" smtClean="0"/>
+                        <a:t>(n-1)</a:t>
+                      </a:r>
+                      <a:endParaRPr lang="en-US" sz="2000" i="1" dirty="0"/>
+                    </a:p>
+                  </a:txBody>
+                  <a:tcPr>
+                    <a:lnL w="12700" cmpd="sng">
+                      <a:noFill/>
+                    </a:lnL>
+                    <a:lnR w="12700" cmpd="sng">
+                      <a:noFill/>
+                    </a:lnR>
+                    <a:lnT w="12700" cap="flat" cmpd="sng" algn="ctr">
+                      <a:noFill/>
+                      <a:prstDash val="solid"/>
+                      <a:round/>
+                      <a:headEnd type="none" w="med" len="med"/>
+                      <a:tailEnd type="none" w="med" len="med"/>
+                    </a:lnT>
+                    <a:lnB w="12700" cmpd="sng">
+                      <a:noFill/>
+                    </a:lnB>
+                    <a:lnTlToBr w="12700" cmpd="sng">
+                      <a:noFill/>
+                      <a:prstDash val="solid"/>
+                    </a:lnTlToBr>
+                    <a:lnBlToTr w="12700" cmpd="sng">
+                      <a:noFill/>
+                      <a:prstDash val="solid"/>
+                    </a:lnBlToTr>
+                    <a:noFill/>
+                  </a:tcPr>
+                </a:tc>
+              </a:tr>
+              <a:tr h="370840">
+                <a:tc>
+                  <a:txBody>
+                    <a:bodyPr/>
+                    <a:lstStyle/>
+                    <a:p>
+                      <a:r>
+                        <a:rPr lang="en-US" sz="2000" dirty="0" err="1" smtClean="0"/>
+                        <a:t>Gene</a:t>
+                      </a:r>
+                      <a:r>
+                        <a:rPr lang="en-US" sz="2000" i="1" baseline="-25000" dirty="0" err="1" smtClean="0"/>
+                        <a:t>n</a:t>
+                      </a:r>
+                      <a:endParaRPr lang="en-US" sz="2000" i="1" baseline="-25000" dirty="0"/>
+                    </a:p>
+                  </a:txBody>
+                  <a:tcPr>
+                    <a:lnL w="12700" cmpd="sng">
+                      <a:noFill/>
+                    </a:lnL>
+                    <a:lnR w="12700" cmpd="sng">
+                      <a:noFill/>
+                    </a:lnR>
+                    <a:lnT w="12700" cap="flat" cmpd="sng" algn="ctr">
+                      <a:noFill/>
+                      <a:prstDash val="solid"/>
+                      <a:round/>
+                      <a:headEnd type="none" w="med" len="med"/>
+                      <a:tailEnd type="none" w="med" len="med"/>
+                    </a:lnT>
+                    <a:lnB w="12700" cmpd="sng">
+                      <a:noFill/>
+                    </a:lnB>
+                    <a:lnTlToBr w="12700" cmpd="sng">
+                      <a:noFill/>
+                      <a:prstDash val="solid"/>
+                    </a:lnTlToBr>
+                    <a:lnBlToTr w="12700" cmpd="sng">
+                      <a:noFill/>
+                      <a:prstDash val="solid"/>
+                    </a:lnBlToTr>
+                    <a:noFill/>
+                  </a:tcPr>
+                </a:tc>
+              </a:tr>
+            </a:tbl>
+          </a:graphicData>
+        </a:graphic>
+      </p:graphicFrame>
+      <p:graphicFrame>
+        <p:nvGraphicFramePr>
+          <p:cNvPr id="14" name="Table 13"/>
+          <p:cNvGraphicFramePr>
+            <a:graphicFrameLocks noGrp="1"/>
+          </p:cNvGraphicFramePr>
+          <p:nvPr>
+            <p:extLst>
+              <p:ext uri="{D42A27DB-BD31-4B8C-83A1-F6EECF244321}">
+                <p14:modId xmlns:p14="http://schemas.microsoft.com/office/powerpoint/2010/main" val="619179032"/>
+              </p:ext>
+            </p:extLst>
+          </p:nvPr>
+        </p:nvGraphicFramePr>
+        <p:xfrm>
+          <a:off x="6377094" y="1686036"/>
+          <a:ext cx="2114010" cy="3169920"/>
+        </p:xfrm>
+        <a:graphic>
+          <a:graphicData uri="http://schemas.openxmlformats.org/drawingml/2006/table">
+            <a:tbl>
+              <a:tblPr firstRow="1" bandRow="1">
+                <a:tableStyleId>{22838BEF-8BB2-4498-84A7-C5851F593DF1}</a:tableStyleId>
+              </a:tblPr>
+              <a:tblGrid>
+                <a:gridCol w="2114010"/>
+              </a:tblGrid>
+              <a:tr h="370840">
+                <a:tc>
+                  <a:txBody>
+                    <a:bodyPr/>
+                    <a:lstStyle/>
+                    <a:p>
+                      <a:pPr marL="0" marR="0" indent="0" algn="l" defTabSz="914400" rtl="0" eaLnBrk="1" fontAlgn="auto" latinLnBrk="0" hangingPunct="1">
+                        <a:lnSpc>
+                          <a:spcPct val="100000"/>
+                        </a:lnSpc>
+                        <a:spcBef>
+                          <a:spcPts val="0"/>
+                        </a:spcBef>
+                        <a:spcAft>
+                          <a:spcPts val="0"/>
+                        </a:spcAft>
+                        <a:buClrTx/>
+                        <a:buSzTx/>
+                        <a:buFontTx/>
+                        <a:buNone/>
+                        <a:tabLst/>
+                        <a:defRPr/>
+                      </a:pPr>
+                      <a:r>
+                        <a:rPr lang="en-US" sz="2000" b="0" dirty="0" smtClean="0"/>
+                        <a:t>Gene</a:t>
+                      </a:r>
+                      <a:r>
+                        <a:rPr lang="en-US" sz="2000" b="0" i="1" baseline="-25000" dirty="0" smtClean="0"/>
+                        <a:t>1</a:t>
+                      </a:r>
+                      <a:r>
+                        <a:rPr lang="en-US" sz="2000" b="0" baseline="0" dirty="0" smtClean="0"/>
+                        <a:t> </a:t>
+                      </a:r>
+                      <a:r>
+                        <a:rPr lang="en-US" sz="2000" b="0" dirty="0" smtClean="0"/>
+                        <a:t>&lt; Gene</a:t>
+                      </a:r>
+                      <a:r>
+                        <a:rPr lang="en-US" sz="2000" b="0" i="1" baseline="-25000" dirty="0" smtClean="0"/>
+                        <a:t>2</a:t>
+                      </a:r>
+                      <a:r>
+                        <a:rPr lang="en-US" sz="2000" b="0" dirty="0" smtClean="0"/>
+                        <a:t>?</a:t>
                       </a:r>
                       <a:endParaRPr lang="en-US" sz="2000" b="0" dirty="0"/>
                     </a:p>
@@ -3776,18 +4358,52 @@
                     <a:bodyPr/>
                     <a:lstStyle/>
                     <a:p>
+                      <a:pPr marL="0" marR="0" indent="0" algn="l" defTabSz="914400" rtl="0" eaLnBrk="1" fontAlgn="auto" latinLnBrk="0" hangingPunct="1">
+                        <a:lnSpc>
+                          <a:spcPct val="100000"/>
+                        </a:lnSpc>
+                        <a:spcBef>
+                          <a:spcPts val="0"/>
+                        </a:spcBef>
+                        <a:spcAft>
+                          <a:spcPts val="0"/>
+                        </a:spcAft>
+                        <a:buClrTx/>
+                        <a:buSzTx/>
+                        <a:buFontTx/>
+                        <a:buNone/>
+                        <a:tabLst/>
+                        <a:defRPr/>
+                      </a:pPr>
+                      <a:r>
+                        <a:rPr lang="en-US" sz="2000" b="0" dirty="0" smtClean="0"/>
+                        <a:t>Gene</a:t>
+                      </a:r>
+                      <a:r>
+                        <a:rPr lang="en-US" sz="2000" b="0" i="1" baseline="-25000" dirty="0" smtClean="0"/>
+                        <a:t>1</a:t>
+                      </a:r>
                       <a:r>
                         <a:rPr lang="en-US" sz="2000" dirty="0" smtClean="0"/>
-                        <a:t>Gene_1 &lt; </a:t>
+                        <a:t> </a:t>
+                      </a:r>
+                      <a:r>
+                        <a:rPr lang="en-US" sz="2000" dirty="0" smtClean="0"/>
+                        <a:t>&lt; </a:t>
                       </a:r>
                       <a:r>
                         <a:rPr lang="en-US" sz="2000" dirty="0" err="1" smtClean="0"/>
-                        <a:t>Gene_p</a:t>
+                        <a:t>Gene</a:t>
+                      </a:r>
+                      <a:r>
+                        <a:rPr lang="en-US" sz="2000" i="1" baseline="-25000" dirty="0" err="1" smtClean="0"/>
+                        <a:t>n</a:t>
                       </a:r>
                       <a:r>
                         <a:rPr lang="en-US" sz="2000" dirty="0" smtClean="0"/>
                         <a:t>?</a:t>
                       </a:r>
+                      <a:endParaRPr lang="en-US" sz="2000" dirty="0" smtClean="0"/>
                     </a:p>
                   </a:txBody>
                   <a:tcPr>
@@ -3847,8 +4463,32 @@
                         <a:defRPr/>
                       </a:pPr>
                       <a:r>
+                        <a:rPr lang="en-US" sz="2000" b="0" dirty="0" smtClean="0"/>
+                        <a:t>Gene</a:t>
+                      </a:r>
+                      <a:r>
+                        <a:rPr lang="en-US" sz="2000" b="0" i="1" baseline="-25000" dirty="0" smtClean="0"/>
+                        <a:t>2</a:t>
+                      </a:r>
+                      <a:r>
                         <a:rPr lang="en-US" sz="2000" dirty="0" smtClean="0"/>
-                        <a:t>Gene_2 &lt; Gene_3?</a:t>
+                        <a:t> </a:t>
+                      </a:r>
+                      <a:r>
+                        <a:rPr lang="en-US" sz="2000" dirty="0" smtClean="0"/>
+                        <a:t>&lt; </a:t>
+                      </a:r>
+                      <a:r>
+                        <a:rPr lang="en-US" sz="2000" dirty="0" smtClean="0"/>
+                        <a:t>Gene</a:t>
+                      </a:r>
+                      <a:r>
+                        <a:rPr lang="en-US" sz="2000" i="1" baseline="-25000" dirty="0" smtClean="0"/>
+                        <a:t>3</a:t>
+                      </a:r>
+                      <a:r>
+                        <a:rPr lang="en-US" sz="2000" dirty="0" smtClean="0"/>
+                        <a:t>?</a:t>
                       </a:r>
                       <a:endParaRPr lang="en-US" sz="2000" dirty="0"/>
                     </a:p>
@@ -3951,17 +4591,30 @@
                         <a:defRPr/>
                       </a:pPr>
                       <a:r>
+                        <a:rPr lang="en-US" sz="2000" b="0" dirty="0" smtClean="0"/>
+                        <a:t>Gene</a:t>
+                      </a:r>
+                      <a:r>
+                        <a:rPr lang="en-US" sz="2000" b="0" i="1" baseline="-25000" dirty="0" smtClean="0"/>
+                        <a:t>2</a:t>
+                      </a:r>
+                      <a:r>
                         <a:rPr lang="en-US" sz="2000" dirty="0" smtClean="0"/>
-                        <a:t>Gene_2 &lt; </a:t>
+                        <a:t> &lt; </a:t>
                       </a:r>
                       <a:r>
                         <a:rPr lang="en-US" sz="2000" dirty="0" err="1" smtClean="0"/>
-                        <a:t>Gene_p</a:t>
+                        <a:t>Gene</a:t>
+                      </a:r>
+                      <a:r>
+                        <a:rPr lang="en-US" sz="2000" i="1" baseline="-25000" dirty="0" err="1" smtClean="0"/>
+                        <a:t>n</a:t>
                       </a:r>
                       <a:r>
                         <a:rPr lang="en-US" sz="2000" dirty="0" smtClean="0"/>
                         <a:t>?</a:t>
                       </a:r>
+                      <a:endParaRPr lang="en-US" sz="2000" dirty="0" smtClean="0"/>
                     </a:p>
                   </a:txBody>
                   <a:tcPr>
@@ -4041,18 +4694,52 @@
                     <a:bodyPr/>
                     <a:lstStyle/>
                     <a:p>
+                      <a:pPr marL="0" marR="0" indent="0" algn="l" defTabSz="914400" rtl="0" eaLnBrk="1" fontAlgn="auto" latinLnBrk="0" hangingPunct="1">
+                        <a:lnSpc>
+                          <a:spcPct val="100000"/>
+                        </a:lnSpc>
+                        <a:spcBef>
+                          <a:spcPts val="0"/>
+                        </a:spcBef>
+                        <a:spcAft>
+                          <a:spcPts val="0"/>
+                        </a:spcAft>
+                        <a:buClrTx/>
+                        <a:buSzTx/>
+                        <a:buFontTx/>
+                        <a:buNone/>
+                        <a:tabLst/>
+                        <a:defRPr/>
+                      </a:pPr>
                       <a:r>
                         <a:rPr lang="en-US" sz="2000" dirty="0" smtClean="0"/>
-                        <a:t>Gene_(p-1) &lt; </a:t>
+                        <a:t>Gene</a:t>
+                      </a:r>
+                      <a:r>
+                        <a:rPr lang="en-US" sz="2000" i="1" baseline="-25000" dirty="0" smtClean="0"/>
+                        <a:t>(n-1)</a:t>
+                      </a:r>
+                      <a:r>
+                        <a:rPr lang="en-US" sz="2000" dirty="0" smtClean="0"/>
+                        <a:t> </a:t>
+                      </a:r>
+                      <a:r>
+                        <a:rPr lang="en-US" sz="2000" dirty="0" smtClean="0"/>
+                        <a:t>&lt; </a:t>
                       </a:r>
                       <a:r>
                         <a:rPr lang="en-US" sz="2000" dirty="0" err="1" smtClean="0"/>
-                        <a:t>Gene_p</a:t>
+                        <a:t>Gene</a:t>
+                      </a:r>
+                      <a:r>
+                        <a:rPr lang="en-US" sz="2000" i="1" baseline="-25000" dirty="0" err="1" smtClean="0"/>
+                        <a:t>n</a:t>
                       </a:r>
                       <a:r>
                         <a:rPr lang="en-US" sz="2000" dirty="0" smtClean="0"/>
                         <a:t>?</a:t>
                       </a:r>
+                      <a:endParaRPr lang="en-US" sz="2000" dirty="0" smtClean="0"/>
                     </a:p>
                   </a:txBody>
                   <a:tcPr>
@@ -4088,168 +4775,10 @@
           </a:graphicData>
         </a:graphic>
       </p:graphicFrame>
-      <p:sp>
-        <p:nvSpPr>
-          <p:cNvPr id="10" name="TextBox 9"/>
-          <p:cNvSpPr txBox="1"/>
-          <p:nvPr/>
-        </p:nvSpPr>
-        <p:spPr>
-          <a:xfrm>
-            <a:off x="6433702" y="1009488"/>
-            <a:ext cx="3142577" cy="461665"/>
-          </a:xfrm>
-          <a:prstGeom prst="rect">
-            <a:avLst/>
-          </a:prstGeom>
-          <a:noFill/>
-        </p:spPr>
-        <p:txBody>
-          <a:bodyPr wrap="square" rtlCol="0">
-            <a:spAutoFit/>
-          </a:bodyPr>
-          <a:lstStyle/>
-          <a:p>
-            <a:r>
-              <a:rPr lang="en-US" sz="2400" dirty="0" smtClean="0"/>
-              <a:t>New representation</a:t>
-            </a:r>
-            <a:endParaRPr lang="en-US" sz="2400" dirty="0"/>
-          </a:p>
-        </p:txBody>
-      </p:sp>
-      <p:sp>
-        <p:nvSpPr>
-          <p:cNvPr id="2" name="TextBox 1"/>
-          <p:cNvSpPr txBox="1"/>
-          <p:nvPr/>
-        </p:nvSpPr>
-        <p:spPr>
-          <a:xfrm>
-            <a:off x="3008578" y="3932627"/>
-            <a:ext cx="1343829" cy="461665"/>
-          </a:xfrm>
-          <a:prstGeom prst="rect">
-            <a:avLst/>
-          </a:prstGeom>
-          <a:noFill/>
-        </p:spPr>
-        <p:txBody>
-          <a:bodyPr wrap="none" rtlCol="0">
-            <a:spAutoFit/>
-          </a:bodyPr>
-          <a:lstStyle/>
-          <a:p>
-            <a:r>
-              <a:rPr lang="en-US" sz="2400" dirty="0" smtClean="0"/>
-              <a:t>Length: </a:t>
-            </a:r>
-            <a:r>
-              <a:rPr lang="en-US" sz="2400" i="1" dirty="0" smtClean="0"/>
-              <a:t>p</a:t>
-            </a:r>
-            <a:endParaRPr lang="en-US" sz="2400" i="1" dirty="0"/>
-          </a:p>
-        </p:txBody>
-      </p:sp>
-      <p:sp>
-        <p:nvSpPr>
-          <p:cNvPr id="11" name="TextBox 10"/>
-          <p:cNvSpPr txBox="1"/>
-          <p:nvPr/>
-        </p:nvSpPr>
-        <p:spPr>
-          <a:xfrm>
-            <a:off x="9155679" y="3932626"/>
-            <a:ext cx="2212657" cy="461665"/>
-          </a:xfrm>
-          <a:prstGeom prst="rect">
-            <a:avLst/>
-          </a:prstGeom>
-          <a:noFill/>
-        </p:spPr>
-        <p:txBody>
-          <a:bodyPr wrap="none" rtlCol="0">
-            <a:spAutoFit/>
-          </a:bodyPr>
-          <a:lstStyle/>
-          <a:p>
-            <a:r>
-              <a:rPr lang="en-US" sz="2400" dirty="0" smtClean="0"/>
-              <a:t>Length: </a:t>
-            </a:r>
-            <a:r>
-              <a:rPr lang="en-US" sz="2400" i="1" dirty="0" smtClean="0"/>
-              <a:t>p(p-1)/2</a:t>
-            </a:r>
-            <a:endParaRPr lang="en-US" sz="2400" i="1" dirty="0"/>
-          </a:p>
-        </p:txBody>
-      </p:sp>
-      <p:sp>
-        <p:nvSpPr>
-          <p:cNvPr id="12" name="TextBox 11"/>
-          <p:cNvSpPr txBox="1"/>
-          <p:nvPr/>
-        </p:nvSpPr>
-        <p:spPr>
-          <a:xfrm>
-            <a:off x="3008578" y="4394292"/>
-            <a:ext cx="1560299" cy="461665"/>
-          </a:xfrm>
-          <a:prstGeom prst="rect">
-            <a:avLst/>
-          </a:prstGeom>
-          <a:noFill/>
-        </p:spPr>
-        <p:txBody>
-          <a:bodyPr wrap="none" rtlCol="0">
-            <a:spAutoFit/>
-          </a:bodyPr>
-          <a:lstStyle/>
-          <a:p>
-            <a:r>
-              <a:rPr lang="en-US" sz="2400" dirty="0" smtClean="0"/>
-              <a:t>Value: Real</a:t>
-            </a:r>
-            <a:endParaRPr lang="en-US" sz="2400" i="1" dirty="0"/>
-          </a:p>
-        </p:txBody>
-      </p:sp>
-      <p:sp>
-        <p:nvSpPr>
-          <p:cNvPr id="13" name="TextBox 12"/>
-          <p:cNvSpPr txBox="1"/>
-          <p:nvPr/>
-        </p:nvSpPr>
-        <p:spPr>
-          <a:xfrm>
-            <a:off x="9155679" y="4394292"/>
-            <a:ext cx="1821653" cy="461665"/>
-          </a:xfrm>
-          <a:prstGeom prst="rect">
-            <a:avLst/>
-          </a:prstGeom>
-          <a:noFill/>
-        </p:spPr>
-        <p:txBody>
-          <a:bodyPr wrap="none" rtlCol="0">
-            <a:spAutoFit/>
-          </a:bodyPr>
-          <a:lstStyle/>
-          <a:p>
-            <a:r>
-              <a:rPr lang="en-US" sz="2400" dirty="0" smtClean="0"/>
-              <a:t>Value: Binary</a:t>
-            </a:r>
-            <a:endParaRPr lang="en-US" sz="2400" i="1" dirty="0"/>
-          </a:p>
-        </p:txBody>
-      </p:sp>
     </p:spTree>
     <p:extLst>
       <p:ext uri="{BB962C8B-B14F-4D97-AF65-F5344CB8AC3E}">
-        <p14:creationId xmlns:p14="http://schemas.microsoft.com/office/powerpoint/2010/main" val="1002427935"/>
+        <p14:creationId xmlns:p14="http://schemas.microsoft.com/office/powerpoint/2010/main" val="1335000609"/>
       </p:ext>
     </p:extLst>
   </p:cSld>
@@ -4260,6 +4789,1554 @@
 </file>
 
 <file path=ppt/slides/slide2.xml><?xml version="1.0" encoding="utf-8"?>
+<p:sld xmlns:a="http://schemas.openxmlformats.org/drawingml/2006/main" xmlns:r="http://schemas.openxmlformats.org/officeDocument/2006/relationships" xmlns:p="http://schemas.openxmlformats.org/presentationml/2006/main">
+  <p:cSld>
+    <p:spTree>
+      <p:nvGrpSpPr>
+        <p:cNvPr id="1" name=""/>
+        <p:cNvGrpSpPr/>
+        <p:nvPr/>
+      </p:nvGrpSpPr>
+      <p:grpSpPr>
+        <a:xfrm>
+          <a:off x="0" y="0"/>
+          <a:ext cx="0" cy="0"/>
+          <a:chOff x="0" y="0"/>
+          <a:chExt cx="0" cy="0"/>
+        </a:xfrm>
+      </p:grpSpPr>
+      <p:sp>
+        <p:nvSpPr>
+          <p:cNvPr id="4" name="TextBox 3"/>
+          <p:cNvSpPr txBox="1"/>
+          <p:nvPr/>
+        </p:nvSpPr>
+        <p:spPr>
+          <a:xfrm>
+            <a:off x="1172150" y="824821"/>
+            <a:ext cx="3493980" cy="830997"/>
+          </a:xfrm>
+          <a:prstGeom prst="rect">
+            <a:avLst/>
+          </a:prstGeom>
+          <a:noFill/>
+        </p:spPr>
+        <p:txBody>
+          <a:bodyPr wrap="square" rtlCol="0">
+            <a:spAutoFit/>
+          </a:bodyPr>
+          <a:lstStyle/>
+          <a:p>
+            <a:r>
+              <a:rPr lang="en-US" sz="2400" dirty="0" smtClean="0"/>
+              <a:t>Gene expression </a:t>
+            </a:r>
+            <a:r>
+              <a:rPr lang="en-US" sz="2400" dirty="0" smtClean="0">
+                <a:solidFill>
+                  <a:srgbClr val="FF0000"/>
+                </a:solidFill>
+              </a:rPr>
+              <a:t>ranks</a:t>
+            </a:r>
+            <a:r>
+              <a:rPr lang="en-US" sz="2400" dirty="0" smtClean="0"/>
+              <a:t> of a patient</a:t>
+            </a:r>
+            <a:endParaRPr lang="en-US" sz="2400" dirty="0"/>
+          </a:p>
+        </p:txBody>
+      </p:sp>
+      <p:graphicFrame>
+        <p:nvGraphicFramePr>
+          <p:cNvPr id="5" name="Table 4"/>
+          <p:cNvGraphicFramePr>
+            <a:graphicFrameLocks noGrp="1"/>
+          </p:cNvGraphicFramePr>
+          <p:nvPr>
+            <p:extLst>
+              <p:ext uri="{D42A27DB-BD31-4B8C-83A1-F6EECF244321}">
+                <p14:modId xmlns:p14="http://schemas.microsoft.com/office/powerpoint/2010/main" val="1983721109"/>
+              </p:ext>
+            </p:extLst>
+          </p:nvPr>
+        </p:nvGraphicFramePr>
+        <p:xfrm>
+          <a:off x="2344202" y="1919240"/>
+          <a:ext cx="664376" cy="2377440"/>
+        </p:xfrm>
+        <a:graphic>
+          <a:graphicData uri="http://schemas.openxmlformats.org/drawingml/2006/table">
+            <a:tbl>
+              <a:tblPr firstRow="1" bandRow="1">
+                <a:tableStyleId>{22838BEF-8BB2-4498-84A7-C5851F593DF1}</a:tableStyleId>
+              </a:tblPr>
+              <a:tblGrid>
+                <a:gridCol w="664376"/>
+              </a:tblGrid>
+              <a:tr h="370840">
+                <a:tc>
+                  <a:txBody>
+                    <a:bodyPr/>
+                    <a:lstStyle/>
+                    <a:p>
+                      <a:r>
+                        <a:rPr lang="en-US" sz="2000" b="0" i="1" dirty="0" smtClean="0">
+                          <a:solidFill>
+                            <a:srgbClr val="FF0000"/>
+                          </a:solidFill>
+                        </a:rPr>
+                        <a:t>1</a:t>
+                      </a:r>
+                      <a:endParaRPr lang="en-US" sz="2000" b="0" i="1" dirty="0">
+                        <a:solidFill>
+                          <a:srgbClr val="FF0000"/>
+                        </a:solidFill>
+                      </a:endParaRPr>
+                    </a:p>
+                  </a:txBody>
+                  <a:tcPr/>
+                </a:tc>
+              </a:tr>
+              <a:tr h="370840">
+                <a:tc>
+                  <a:txBody>
+                    <a:bodyPr/>
+                    <a:lstStyle/>
+                    <a:p>
+                      <a:r>
+                        <a:rPr lang="en-US" sz="2000" i="1" dirty="0" smtClean="0">
+                          <a:solidFill>
+                            <a:srgbClr val="FF0000"/>
+                          </a:solidFill>
+                        </a:rPr>
+                        <a:t>n</a:t>
+                      </a:r>
+                      <a:endParaRPr lang="en-US" sz="2000" i="1" dirty="0">
+                        <a:solidFill>
+                          <a:srgbClr val="FF0000"/>
+                        </a:solidFill>
+                      </a:endParaRPr>
+                    </a:p>
+                  </a:txBody>
+                  <a:tcPr/>
+                </a:tc>
+              </a:tr>
+              <a:tr h="370840">
+                <a:tc>
+                  <a:txBody>
+                    <a:bodyPr/>
+                    <a:lstStyle/>
+                    <a:p>
+                      <a:r>
+                        <a:rPr lang="en-US" sz="2000" i="1" dirty="0" smtClean="0">
+                          <a:solidFill>
+                            <a:srgbClr val="FF0000"/>
+                          </a:solidFill>
+                        </a:rPr>
+                        <a:t>2</a:t>
+                      </a:r>
+                      <a:endParaRPr lang="en-US" sz="2000" i="1" dirty="0">
+                        <a:solidFill>
+                          <a:srgbClr val="FF0000"/>
+                        </a:solidFill>
+                      </a:endParaRPr>
+                    </a:p>
+                  </a:txBody>
+                  <a:tcPr/>
+                </a:tc>
+              </a:tr>
+              <a:tr h="370840">
+                <a:tc>
+                  <a:txBody>
+                    <a:bodyPr/>
+                    <a:lstStyle/>
+                    <a:p>
+                      <a:r>
+                        <a:rPr lang="en-US" sz="2000" i="1" dirty="0" smtClean="0">
+                          <a:solidFill>
+                            <a:schemeClr val="tx1"/>
+                          </a:solidFill>
+                        </a:rPr>
+                        <a:t>...</a:t>
+                      </a:r>
+                      <a:endParaRPr lang="en-US" sz="2000" i="1" dirty="0">
+                        <a:solidFill>
+                          <a:schemeClr val="tx1"/>
+                        </a:solidFill>
+                      </a:endParaRPr>
+                    </a:p>
+                  </a:txBody>
+                  <a:tcPr/>
+                </a:tc>
+              </a:tr>
+              <a:tr h="370840">
+                <a:tc>
+                  <a:txBody>
+                    <a:bodyPr/>
+                    <a:lstStyle/>
+                    <a:p>
+                      <a:r>
+                        <a:rPr lang="en-US" sz="2000" i="1" dirty="0" smtClean="0">
+                          <a:solidFill>
+                            <a:srgbClr val="FF0000"/>
+                          </a:solidFill>
+                        </a:rPr>
+                        <a:t>3</a:t>
+                      </a:r>
+                      <a:endParaRPr lang="en-US" sz="2000" i="1" dirty="0">
+                        <a:solidFill>
+                          <a:srgbClr val="FF0000"/>
+                        </a:solidFill>
+                      </a:endParaRPr>
+                    </a:p>
+                  </a:txBody>
+                  <a:tcPr/>
+                </a:tc>
+              </a:tr>
+              <a:tr h="370840">
+                <a:tc>
+                  <a:txBody>
+                    <a:bodyPr/>
+                    <a:lstStyle/>
+                    <a:p>
+                      <a:r>
+                        <a:rPr lang="en-US" sz="2000" i="1" dirty="0" smtClean="0">
+                          <a:solidFill>
+                            <a:srgbClr val="FF0000"/>
+                          </a:solidFill>
+                        </a:rPr>
+                        <a:t>n-1</a:t>
+                      </a:r>
+                      <a:endParaRPr lang="en-US" sz="2000" i="1" dirty="0">
+                        <a:solidFill>
+                          <a:srgbClr val="FF0000"/>
+                        </a:solidFill>
+                      </a:endParaRPr>
+                    </a:p>
+                  </a:txBody>
+                  <a:tcPr/>
+                </a:tc>
+              </a:tr>
+            </a:tbl>
+          </a:graphicData>
+        </a:graphic>
+      </p:graphicFrame>
+      <p:graphicFrame>
+        <p:nvGraphicFramePr>
+          <p:cNvPr id="7" name="Table 6"/>
+          <p:cNvGraphicFramePr>
+            <a:graphicFrameLocks noGrp="1"/>
+          </p:cNvGraphicFramePr>
+          <p:nvPr>
+            <p:extLst>
+              <p:ext uri="{D42A27DB-BD31-4B8C-83A1-F6EECF244321}">
+                <p14:modId xmlns:p14="http://schemas.microsoft.com/office/powerpoint/2010/main" val="717059288"/>
+              </p:ext>
+            </p:extLst>
+          </p:nvPr>
+        </p:nvGraphicFramePr>
+        <p:xfrm>
+          <a:off x="1172150" y="1919239"/>
+          <a:ext cx="1171854" cy="2377440"/>
+        </p:xfrm>
+        <a:graphic>
+          <a:graphicData uri="http://schemas.openxmlformats.org/drawingml/2006/table">
+            <a:tbl>
+              <a:tblPr firstRow="1" bandRow="1">
+                <a:tableStyleId>{22838BEF-8BB2-4498-84A7-C5851F593DF1}</a:tableStyleId>
+              </a:tblPr>
+              <a:tblGrid>
+                <a:gridCol w="1171854"/>
+              </a:tblGrid>
+              <a:tr h="370840">
+                <a:tc>
+                  <a:txBody>
+                    <a:bodyPr/>
+                    <a:lstStyle/>
+                    <a:p>
+                      <a:r>
+                        <a:rPr lang="en-US" sz="2000" b="0" dirty="0" smtClean="0"/>
+                        <a:t>Gene</a:t>
+                      </a:r>
+                      <a:r>
+                        <a:rPr lang="en-US" sz="2000" b="0" i="1" baseline="-25000" dirty="0" smtClean="0"/>
+                        <a:t>1</a:t>
+                      </a:r>
+                      <a:endParaRPr lang="en-US" sz="2000" b="0" i="1" baseline="-25000" dirty="0"/>
+                    </a:p>
+                  </a:txBody>
+                  <a:tcPr>
+                    <a:lnL w="12700" cmpd="sng">
+                      <a:noFill/>
+                    </a:lnL>
+                    <a:lnR w="12700" cmpd="sng">
+                      <a:noFill/>
+                    </a:lnR>
+                    <a:lnT w="12700" cmpd="sng">
+                      <a:noFill/>
+                    </a:lnT>
+                    <a:lnB w="12700" cap="flat" cmpd="sng" algn="ctr">
+                      <a:noFill/>
+                      <a:prstDash val="solid"/>
+                      <a:round/>
+                      <a:headEnd type="none" w="med" len="med"/>
+                      <a:tailEnd type="none" w="med" len="med"/>
+                    </a:lnB>
+                    <a:lnTlToBr w="12700" cmpd="sng">
+                      <a:noFill/>
+                      <a:prstDash val="solid"/>
+                    </a:lnTlToBr>
+                    <a:lnBlToTr w="12700" cmpd="sng">
+                      <a:noFill/>
+                      <a:prstDash val="solid"/>
+                    </a:lnBlToTr>
+                    <a:noFill/>
+                  </a:tcPr>
+                </a:tc>
+              </a:tr>
+              <a:tr h="370840">
+                <a:tc>
+                  <a:txBody>
+                    <a:bodyPr/>
+                    <a:lstStyle/>
+                    <a:p>
+                      <a:r>
+                        <a:rPr lang="en-US" sz="2000" dirty="0" smtClean="0"/>
+                        <a:t>Gene</a:t>
+                      </a:r>
+                      <a:r>
+                        <a:rPr lang="en-US" sz="2000" i="1" baseline="-25000" dirty="0" smtClean="0"/>
+                        <a:t>2</a:t>
+                      </a:r>
+                      <a:endParaRPr lang="en-US" sz="2000" i="1" baseline="-25000" dirty="0"/>
+                    </a:p>
+                  </a:txBody>
+                  <a:tcPr>
+                    <a:lnL w="12700" cmpd="sng">
+                      <a:noFill/>
+                    </a:lnL>
+                    <a:lnR w="12700" cmpd="sng">
+                      <a:noFill/>
+                    </a:lnR>
+                    <a:lnT w="12700" cap="flat" cmpd="sng" algn="ctr">
+                      <a:noFill/>
+                      <a:prstDash val="solid"/>
+                      <a:round/>
+                      <a:headEnd type="none" w="med" len="med"/>
+                      <a:tailEnd type="none" w="med" len="med"/>
+                    </a:lnT>
+                    <a:lnB w="12700" cap="flat" cmpd="sng" algn="ctr">
+                      <a:noFill/>
+                      <a:prstDash val="solid"/>
+                      <a:round/>
+                      <a:headEnd type="none" w="med" len="med"/>
+                      <a:tailEnd type="none" w="med" len="med"/>
+                    </a:lnB>
+                    <a:lnTlToBr w="12700" cmpd="sng">
+                      <a:noFill/>
+                      <a:prstDash val="solid"/>
+                    </a:lnTlToBr>
+                    <a:lnBlToTr w="12700" cmpd="sng">
+                      <a:noFill/>
+                      <a:prstDash val="solid"/>
+                    </a:lnBlToTr>
+                    <a:noFill/>
+                  </a:tcPr>
+                </a:tc>
+              </a:tr>
+              <a:tr h="370840">
+                <a:tc>
+                  <a:txBody>
+                    <a:bodyPr/>
+                    <a:lstStyle/>
+                    <a:p>
+                      <a:r>
+                        <a:rPr lang="en-US" sz="2000" dirty="0" smtClean="0"/>
+                        <a:t>Gene</a:t>
+                      </a:r>
+                      <a:r>
+                        <a:rPr lang="en-US" sz="2000" i="1" baseline="-25000" dirty="0" smtClean="0"/>
+                        <a:t>3</a:t>
+                      </a:r>
+                      <a:endParaRPr lang="en-US" sz="2000" i="1" baseline="-25000" dirty="0"/>
+                    </a:p>
+                  </a:txBody>
+                  <a:tcPr>
+                    <a:lnL w="12700" cmpd="sng">
+                      <a:noFill/>
+                    </a:lnL>
+                    <a:lnR w="12700" cmpd="sng">
+                      <a:noFill/>
+                    </a:lnR>
+                    <a:lnT w="12700" cap="flat" cmpd="sng" algn="ctr">
+                      <a:noFill/>
+                      <a:prstDash val="solid"/>
+                      <a:round/>
+                      <a:headEnd type="none" w="med" len="med"/>
+                      <a:tailEnd type="none" w="med" len="med"/>
+                    </a:lnT>
+                    <a:lnB w="12700" cap="flat" cmpd="sng" algn="ctr">
+                      <a:noFill/>
+                      <a:prstDash val="solid"/>
+                      <a:round/>
+                      <a:headEnd type="none" w="med" len="med"/>
+                      <a:tailEnd type="none" w="med" len="med"/>
+                    </a:lnB>
+                    <a:lnTlToBr w="12700" cmpd="sng">
+                      <a:noFill/>
+                      <a:prstDash val="solid"/>
+                    </a:lnTlToBr>
+                    <a:lnBlToTr w="12700" cmpd="sng">
+                      <a:noFill/>
+                      <a:prstDash val="solid"/>
+                    </a:lnBlToTr>
+                    <a:noFill/>
+                  </a:tcPr>
+                </a:tc>
+              </a:tr>
+              <a:tr h="370840">
+                <a:tc>
+                  <a:txBody>
+                    <a:bodyPr/>
+                    <a:lstStyle/>
+                    <a:p>
+                      <a:r>
+                        <a:rPr lang="en-US" sz="2000" dirty="0" smtClean="0"/>
+                        <a:t>…</a:t>
+                      </a:r>
+                      <a:endParaRPr lang="en-US" sz="2000" dirty="0"/>
+                    </a:p>
+                  </a:txBody>
+                  <a:tcPr>
+                    <a:lnL w="12700" cmpd="sng">
+                      <a:noFill/>
+                    </a:lnL>
+                    <a:lnR w="12700" cmpd="sng">
+                      <a:noFill/>
+                    </a:lnR>
+                    <a:lnT w="12700" cap="flat" cmpd="sng" algn="ctr">
+                      <a:noFill/>
+                      <a:prstDash val="solid"/>
+                      <a:round/>
+                      <a:headEnd type="none" w="med" len="med"/>
+                      <a:tailEnd type="none" w="med" len="med"/>
+                    </a:lnT>
+                    <a:lnB w="12700" cap="flat" cmpd="sng" algn="ctr">
+                      <a:noFill/>
+                      <a:prstDash val="solid"/>
+                      <a:round/>
+                      <a:headEnd type="none" w="med" len="med"/>
+                      <a:tailEnd type="none" w="med" len="med"/>
+                    </a:lnB>
+                    <a:lnTlToBr w="12700" cmpd="sng">
+                      <a:noFill/>
+                      <a:prstDash val="solid"/>
+                    </a:lnTlToBr>
+                    <a:lnBlToTr w="12700" cmpd="sng">
+                      <a:noFill/>
+                      <a:prstDash val="solid"/>
+                    </a:lnBlToTr>
+                    <a:noFill/>
+                  </a:tcPr>
+                </a:tc>
+              </a:tr>
+              <a:tr h="370840">
+                <a:tc>
+                  <a:txBody>
+                    <a:bodyPr/>
+                    <a:lstStyle/>
+                    <a:p>
+                      <a:r>
+                        <a:rPr lang="en-US" sz="2000" dirty="0" smtClean="0"/>
+                        <a:t>Gene</a:t>
+                      </a:r>
+                      <a:r>
+                        <a:rPr lang="en-US" sz="2000" i="1" baseline="-25000" dirty="0" smtClean="0"/>
+                        <a:t>(n-1)</a:t>
+                      </a:r>
+                      <a:endParaRPr lang="en-US" sz="2000" i="1" dirty="0"/>
+                    </a:p>
+                  </a:txBody>
+                  <a:tcPr>
+                    <a:lnL w="12700" cmpd="sng">
+                      <a:noFill/>
+                    </a:lnL>
+                    <a:lnR w="12700" cmpd="sng">
+                      <a:noFill/>
+                    </a:lnR>
+                    <a:lnT w="12700" cap="flat" cmpd="sng" algn="ctr">
+                      <a:noFill/>
+                      <a:prstDash val="solid"/>
+                      <a:round/>
+                      <a:headEnd type="none" w="med" len="med"/>
+                      <a:tailEnd type="none" w="med" len="med"/>
+                    </a:lnT>
+                    <a:lnB w="12700" cmpd="sng">
+                      <a:noFill/>
+                    </a:lnB>
+                    <a:lnTlToBr w="12700" cmpd="sng">
+                      <a:noFill/>
+                      <a:prstDash val="solid"/>
+                    </a:lnTlToBr>
+                    <a:lnBlToTr w="12700" cmpd="sng">
+                      <a:noFill/>
+                      <a:prstDash val="solid"/>
+                    </a:lnBlToTr>
+                    <a:noFill/>
+                  </a:tcPr>
+                </a:tc>
+              </a:tr>
+              <a:tr h="370840">
+                <a:tc>
+                  <a:txBody>
+                    <a:bodyPr/>
+                    <a:lstStyle/>
+                    <a:p>
+                      <a:r>
+                        <a:rPr lang="en-US" sz="2000" dirty="0" err="1" smtClean="0"/>
+                        <a:t>Gene</a:t>
+                      </a:r>
+                      <a:r>
+                        <a:rPr lang="en-US" sz="2000" i="1" baseline="-25000" dirty="0" err="1" smtClean="0"/>
+                        <a:t>n</a:t>
+                      </a:r>
+                      <a:endParaRPr lang="en-US" sz="2000" i="1" baseline="-25000" dirty="0"/>
+                    </a:p>
+                  </a:txBody>
+                  <a:tcPr>
+                    <a:lnL w="12700" cmpd="sng">
+                      <a:noFill/>
+                    </a:lnL>
+                    <a:lnR w="12700" cmpd="sng">
+                      <a:noFill/>
+                    </a:lnR>
+                    <a:lnT w="12700" cap="flat" cmpd="sng" algn="ctr">
+                      <a:noFill/>
+                      <a:prstDash val="solid"/>
+                      <a:round/>
+                      <a:headEnd type="none" w="med" len="med"/>
+                      <a:tailEnd type="none" w="med" len="med"/>
+                    </a:lnT>
+                    <a:lnB w="12700" cmpd="sng">
+                      <a:noFill/>
+                    </a:lnB>
+                    <a:lnTlToBr w="12700" cmpd="sng">
+                      <a:noFill/>
+                      <a:prstDash val="solid"/>
+                    </a:lnTlToBr>
+                    <a:lnBlToTr w="12700" cmpd="sng">
+                      <a:noFill/>
+                      <a:prstDash val="solid"/>
+                    </a:lnBlToTr>
+                    <a:noFill/>
+                  </a:tcPr>
+                </a:tc>
+              </a:tr>
+            </a:tbl>
+          </a:graphicData>
+        </a:graphic>
+      </p:graphicFrame>
+      <p:graphicFrame>
+        <p:nvGraphicFramePr>
+          <p:cNvPr id="8" name="Table 7"/>
+          <p:cNvGraphicFramePr>
+            <a:graphicFrameLocks noGrp="1"/>
+          </p:cNvGraphicFramePr>
+          <p:nvPr>
+            <p:extLst>
+              <p:ext uri="{D42A27DB-BD31-4B8C-83A1-F6EECF244321}">
+                <p14:modId xmlns:p14="http://schemas.microsoft.com/office/powerpoint/2010/main" val="2084710099"/>
+              </p:ext>
+            </p:extLst>
+          </p:nvPr>
+        </p:nvGraphicFramePr>
+        <p:xfrm>
+          <a:off x="8491104" y="1686036"/>
+          <a:ext cx="664376" cy="3169920"/>
+        </p:xfrm>
+        <a:graphic>
+          <a:graphicData uri="http://schemas.openxmlformats.org/drawingml/2006/table">
+            <a:tbl>
+              <a:tblPr firstRow="1" bandRow="1">
+                <a:tableStyleId>{22838BEF-8BB2-4498-84A7-C5851F593DF1}</a:tableStyleId>
+              </a:tblPr>
+              <a:tblGrid>
+                <a:gridCol w="664376"/>
+              </a:tblGrid>
+              <a:tr h="370840">
+                <a:tc>
+                  <a:txBody>
+                    <a:bodyPr/>
+                    <a:lstStyle/>
+                    <a:p>
+                      <a:r>
+                        <a:rPr lang="en-US" sz="2000" b="0" i="1" dirty="0" smtClean="0"/>
+                        <a:t>1</a:t>
+                      </a:r>
+                      <a:endParaRPr lang="en-US" sz="2000" b="0" i="1" dirty="0"/>
+                    </a:p>
+                  </a:txBody>
+                  <a:tcPr/>
+                </a:tc>
+              </a:tr>
+              <a:tr h="370840">
+                <a:tc>
+                  <a:txBody>
+                    <a:bodyPr/>
+                    <a:lstStyle/>
+                    <a:p>
+                      <a:r>
+                        <a:rPr lang="mr-IN" sz="2000" i="1" dirty="0" smtClean="0"/>
+                        <a:t>…</a:t>
+                      </a:r>
+                      <a:endParaRPr lang="en-US" sz="2000" i="1" dirty="0"/>
+                    </a:p>
+                  </a:txBody>
+                  <a:tcPr/>
+                </a:tc>
+              </a:tr>
+              <a:tr h="370840">
+                <a:tc>
+                  <a:txBody>
+                    <a:bodyPr/>
+                    <a:lstStyle/>
+                    <a:p>
+                      <a:r>
+                        <a:rPr lang="en-US" sz="2000" i="1" dirty="0" smtClean="0"/>
+                        <a:t>1</a:t>
+                      </a:r>
+                      <a:endParaRPr lang="en-US" sz="2000" i="1" dirty="0"/>
+                    </a:p>
+                  </a:txBody>
+                  <a:tcPr/>
+                </a:tc>
+              </a:tr>
+              <a:tr h="370840">
+                <a:tc>
+                  <a:txBody>
+                    <a:bodyPr/>
+                    <a:lstStyle/>
+                    <a:p>
+                      <a:r>
+                        <a:rPr lang="en-US" sz="2000" i="1" dirty="0" smtClean="0"/>
+                        <a:t>-1</a:t>
+                      </a:r>
+                      <a:endParaRPr lang="en-US" sz="2000" i="1" dirty="0"/>
+                    </a:p>
+                  </a:txBody>
+                  <a:tcPr/>
+                </a:tc>
+              </a:tr>
+              <a:tr h="370840">
+                <a:tc>
+                  <a:txBody>
+                    <a:bodyPr/>
+                    <a:lstStyle/>
+                    <a:p>
+                      <a:r>
+                        <a:rPr lang="en-US" sz="2000" i="1" dirty="0" smtClean="0"/>
+                        <a:t>…</a:t>
+                      </a:r>
+                      <a:endParaRPr lang="en-US" sz="2000" i="1" dirty="0"/>
+                    </a:p>
+                  </a:txBody>
+                  <a:tcPr/>
+                </a:tc>
+              </a:tr>
+              <a:tr h="370840">
+                <a:tc>
+                  <a:txBody>
+                    <a:bodyPr/>
+                    <a:lstStyle/>
+                    <a:p>
+                      <a:r>
+                        <a:rPr lang="en-US" sz="2000" i="1" dirty="0" smtClean="0"/>
+                        <a:t>-1</a:t>
+                      </a:r>
+                      <a:endParaRPr lang="en-US" sz="2000" i="1" dirty="0"/>
+                    </a:p>
+                  </a:txBody>
+                  <a:tcPr/>
+                </a:tc>
+              </a:tr>
+              <a:tr h="370840">
+                <a:tc>
+                  <a:txBody>
+                    <a:bodyPr/>
+                    <a:lstStyle/>
+                    <a:p>
+                      <a:r>
+                        <a:rPr lang="en-US" sz="2000" i="1" dirty="0" smtClean="0"/>
+                        <a:t>…</a:t>
+                      </a:r>
+                      <a:endParaRPr lang="en-US" sz="2000" i="1" dirty="0"/>
+                    </a:p>
+                  </a:txBody>
+                  <a:tcPr/>
+                </a:tc>
+              </a:tr>
+              <a:tr h="370840">
+                <a:tc>
+                  <a:txBody>
+                    <a:bodyPr/>
+                    <a:lstStyle/>
+                    <a:p>
+                      <a:r>
+                        <a:rPr lang="en-US" sz="2000" i="1" dirty="0" smtClean="0"/>
+                        <a:t>1</a:t>
+                      </a:r>
+                      <a:endParaRPr lang="en-US" sz="2000" i="1" dirty="0"/>
+                    </a:p>
+                  </a:txBody>
+                  <a:tcPr/>
+                </a:tc>
+              </a:tr>
+            </a:tbl>
+          </a:graphicData>
+        </a:graphic>
+      </p:graphicFrame>
+      <p:graphicFrame>
+        <p:nvGraphicFramePr>
+          <p:cNvPr id="9" name="Table 8"/>
+          <p:cNvGraphicFramePr>
+            <a:graphicFrameLocks noGrp="1"/>
+          </p:cNvGraphicFramePr>
+          <p:nvPr>
+            <p:extLst>
+              <p:ext uri="{D42A27DB-BD31-4B8C-83A1-F6EECF244321}">
+                <p14:modId xmlns:p14="http://schemas.microsoft.com/office/powerpoint/2010/main" val="1526933088"/>
+              </p:ext>
+            </p:extLst>
+          </p:nvPr>
+        </p:nvGraphicFramePr>
+        <p:xfrm>
+          <a:off x="6377094" y="1686036"/>
+          <a:ext cx="2114010" cy="3169920"/>
+        </p:xfrm>
+        <a:graphic>
+          <a:graphicData uri="http://schemas.openxmlformats.org/drawingml/2006/table">
+            <a:tbl>
+              <a:tblPr firstRow="1" bandRow="1">
+                <a:tableStyleId>{22838BEF-8BB2-4498-84A7-C5851F593DF1}</a:tableStyleId>
+              </a:tblPr>
+              <a:tblGrid>
+                <a:gridCol w="2114010"/>
+              </a:tblGrid>
+              <a:tr h="370840">
+                <a:tc>
+                  <a:txBody>
+                    <a:bodyPr/>
+                    <a:lstStyle/>
+                    <a:p>
+                      <a:pPr marL="0" marR="0" indent="0" algn="l" defTabSz="914400" rtl="0" eaLnBrk="1" fontAlgn="auto" latinLnBrk="0" hangingPunct="1">
+                        <a:lnSpc>
+                          <a:spcPct val="100000"/>
+                        </a:lnSpc>
+                        <a:spcBef>
+                          <a:spcPts val="0"/>
+                        </a:spcBef>
+                        <a:spcAft>
+                          <a:spcPts val="0"/>
+                        </a:spcAft>
+                        <a:buClrTx/>
+                        <a:buSzTx/>
+                        <a:buFontTx/>
+                        <a:buNone/>
+                        <a:tabLst/>
+                        <a:defRPr/>
+                      </a:pPr>
+                      <a:r>
+                        <a:rPr lang="en-US" sz="2000" b="0" dirty="0" smtClean="0"/>
+                        <a:t>Gene</a:t>
+                      </a:r>
+                      <a:r>
+                        <a:rPr lang="en-US" sz="2000" b="0" i="1" baseline="-25000" dirty="0" smtClean="0"/>
+                        <a:t>1</a:t>
+                      </a:r>
+                      <a:r>
+                        <a:rPr lang="en-US" sz="2000" b="0" baseline="0" dirty="0" smtClean="0"/>
+                        <a:t> </a:t>
+                      </a:r>
+                      <a:r>
+                        <a:rPr lang="en-US" sz="2000" b="0" dirty="0" smtClean="0"/>
+                        <a:t>&lt; Gene</a:t>
+                      </a:r>
+                      <a:r>
+                        <a:rPr lang="en-US" sz="2000" b="0" i="1" baseline="-25000" dirty="0" smtClean="0"/>
+                        <a:t>2</a:t>
+                      </a:r>
+                      <a:r>
+                        <a:rPr lang="en-US" sz="2000" b="0" dirty="0" smtClean="0"/>
+                        <a:t>?</a:t>
+                      </a:r>
+                      <a:endParaRPr lang="en-US" sz="2000" b="0" dirty="0"/>
+                    </a:p>
+                  </a:txBody>
+                  <a:tcPr>
+                    <a:lnL w="12700" cmpd="sng">
+                      <a:noFill/>
+                    </a:lnL>
+                    <a:lnR w="12700" cmpd="sng">
+                      <a:noFill/>
+                    </a:lnR>
+                    <a:lnT w="12700" cmpd="sng">
+                      <a:noFill/>
+                    </a:lnT>
+                    <a:lnB w="12700" cap="flat" cmpd="sng" algn="ctr">
+                      <a:noFill/>
+                      <a:prstDash val="solid"/>
+                      <a:round/>
+                      <a:headEnd type="none" w="med" len="med"/>
+                      <a:tailEnd type="none" w="med" len="med"/>
+                    </a:lnB>
+                    <a:lnTlToBr w="12700" cmpd="sng">
+                      <a:noFill/>
+                      <a:prstDash val="solid"/>
+                    </a:lnTlToBr>
+                    <a:lnBlToTr w="12700" cmpd="sng">
+                      <a:noFill/>
+                      <a:prstDash val="solid"/>
+                    </a:lnBlToTr>
+                    <a:noFill/>
+                  </a:tcPr>
+                </a:tc>
+              </a:tr>
+              <a:tr h="370840">
+                <a:tc>
+                  <a:txBody>
+                    <a:bodyPr/>
+                    <a:lstStyle/>
+                    <a:p>
+                      <a:pPr marL="0" marR="0" indent="0" algn="l" defTabSz="457200" rtl="0" eaLnBrk="1" fontAlgn="auto" latinLnBrk="0" hangingPunct="1">
+                        <a:lnSpc>
+                          <a:spcPct val="100000"/>
+                        </a:lnSpc>
+                        <a:spcBef>
+                          <a:spcPts val="0"/>
+                        </a:spcBef>
+                        <a:spcAft>
+                          <a:spcPts val="0"/>
+                        </a:spcAft>
+                        <a:buClrTx/>
+                        <a:buSzTx/>
+                        <a:buFontTx/>
+                        <a:buNone/>
+                        <a:tabLst/>
+                        <a:defRPr/>
+                      </a:pPr>
+                      <a:r>
+                        <a:rPr lang="en-US" sz="2000" dirty="0" smtClean="0"/>
+                        <a:t>…</a:t>
+                      </a:r>
+                    </a:p>
+                  </a:txBody>
+                  <a:tcPr>
+                    <a:lnL w="12700" cmpd="sng">
+                      <a:noFill/>
+                    </a:lnL>
+                    <a:lnR w="12700" cmpd="sng">
+                      <a:noFill/>
+                    </a:lnR>
+                    <a:lnT w="12700" cap="flat" cmpd="sng" algn="ctr">
+                      <a:noFill/>
+                      <a:prstDash val="solid"/>
+                      <a:round/>
+                      <a:headEnd type="none" w="med" len="med"/>
+                      <a:tailEnd type="none" w="med" len="med"/>
+                    </a:lnT>
+                    <a:lnB w="12700" cap="flat" cmpd="sng" algn="ctr">
+                      <a:noFill/>
+                      <a:prstDash val="solid"/>
+                      <a:round/>
+                      <a:headEnd type="none" w="med" len="med"/>
+                      <a:tailEnd type="none" w="med" len="med"/>
+                    </a:lnB>
+                    <a:lnTlToBr w="12700" cmpd="sng">
+                      <a:noFill/>
+                      <a:prstDash val="solid"/>
+                    </a:lnTlToBr>
+                    <a:lnBlToTr w="12700" cmpd="sng">
+                      <a:noFill/>
+                      <a:prstDash val="solid"/>
+                    </a:lnBlToTr>
+                    <a:noFill/>
+                  </a:tcPr>
+                </a:tc>
+              </a:tr>
+              <a:tr h="370840">
+                <a:tc>
+                  <a:txBody>
+                    <a:bodyPr/>
+                    <a:lstStyle/>
+                    <a:p>
+                      <a:pPr marL="0" marR="0" indent="0" algn="l" defTabSz="914400" rtl="0" eaLnBrk="1" fontAlgn="auto" latinLnBrk="0" hangingPunct="1">
+                        <a:lnSpc>
+                          <a:spcPct val="100000"/>
+                        </a:lnSpc>
+                        <a:spcBef>
+                          <a:spcPts val="0"/>
+                        </a:spcBef>
+                        <a:spcAft>
+                          <a:spcPts val="0"/>
+                        </a:spcAft>
+                        <a:buClrTx/>
+                        <a:buSzTx/>
+                        <a:buFontTx/>
+                        <a:buNone/>
+                        <a:tabLst/>
+                        <a:defRPr/>
+                      </a:pPr>
+                      <a:r>
+                        <a:rPr lang="en-US" sz="2000" b="0" dirty="0" smtClean="0"/>
+                        <a:t>Gene</a:t>
+                      </a:r>
+                      <a:r>
+                        <a:rPr lang="en-US" sz="2000" b="0" i="1" baseline="-25000" dirty="0" smtClean="0"/>
+                        <a:t>1</a:t>
+                      </a:r>
+                      <a:r>
+                        <a:rPr lang="en-US" sz="2000" dirty="0" smtClean="0"/>
+                        <a:t> </a:t>
+                      </a:r>
+                      <a:r>
+                        <a:rPr lang="en-US" sz="2000" dirty="0" smtClean="0"/>
+                        <a:t>&lt; </a:t>
+                      </a:r>
+                      <a:r>
+                        <a:rPr lang="en-US" sz="2000" dirty="0" err="1" smtClean="0"/>
+                        <a:t>Gene</a:t>
+                      </a:r>
+                      <a:r>
+                        <a:rPr lang="en-US" sz="2000" i="1" baseline="-25000" dirty="0" err="1" smtClean="0"/>
+                        <a:t>n</a:t>
+                      </a:r>
+                      <a:r>
+                        <a:rPr lang="en-US" sz="2000" dirty="0" smtClean="0"/>
+                        <a:t>?</a:t>
+                      </a:r>
+                      <a:endParaRPr lang="en-US" sz="2000" dirty="0" smtClean="0"/>
+                    </a:p>
+                  </a:txBody>
+                  <a:tcPr>
+                    <a:lnL w="12700" cmpd="sng">
+                      <a:noFill/>
+                    </a:lnL>
+                    <a:lnR w="12700" cmpd="sng">
+                      <a:noFill/>
+                    </a:lnR>
+                    <a:lnT w="12700" cap="flat" cmpd="sng" algn="ctr">
+                      <a:noFill/>
+                      <a:prstDash val="solid"/>
+                      <a:round/>
+                      <a:headEnd type="none" w="med" len="med"/>
+                      <a:tailEnd type="none" w="med" len="med"/>
+                    </a:lnT>
+                    <a:lnB w="12700" cap="flat" cmpd="sng" algn="ctr">
+                      <a:noFill/>
+                      <a:prstDash val="solid"/>
+                      <a:round/>
+                      <a:headEnd type="none" w="med" len="med"/>
+                      <a:tailEnd type="none" w="med" len="med"/>
+                    </a:lnB>
+                    <a:lnTlToBr w="12700" cmpd="sng">
+                      <a:noFill/>
+                      <a:prstDash val="solid"/>
+                    </a:lnTlToBr>
+                    <a:lnBlToTr w="12700" cmpd="sng">
+                      <a:noFill/>
+                      <a:prstDash val="solid"/>
+                    </a:lnBlToTr>
+                    <a:noFill/>
+                  </a:tcPr>
+                </a:tc>
+              </a:tr>
+              <a:tr h="370840">
+                <a:tc>
+                  <a:txBody>
+                    <a:bodyPr/>
+                    <a:lstStyle/>
+                    <a:p>
+                      <a:pPr marL="0" marR="0" indent="0" algn="l" defTabSz="457200" rtl="0" eaLnBrk="1" fontAlgn="auto" latinLnBrk="0" hangingPunct="1">
+                        <a:lnSpc>
+                          <a:spcPct val="100000"/>
+                        </a:lnSpc>
+                        <a:spcBef>
+                          <a:spcPts val="0"/>
+                        </a:spcBef>
+                        <a:spcAft>
+                          <a:spcPts val="0"/>
+                        </a:spcAft>
+                        <a:buClrTx/>
+                        <a:buSzTx/>
+                        <a:buFontTx/>
+                        <a:buNone/>
+                        <a:tabLst/>
+                        <a:defRPr/>
+                      </a:pPr>
+                      <a:r>
+                        <a:rPr lang="en-US" sz="2000" b="0" dirty="0" smtClean="0"/>
+                        <a:t>Gene</a:t>
+                      </a:r>
+                      <a:r>
+                        <a:rPr lang="en-US" sz="2000" b="0" i="1" baseline="-25000" dirty="0" smtClean="0"/>
+                        <a:t>2</a:t>
+                      </a:r>
+                      <a:r>
+                        <a:rPr lang="en-US" sz="2000" dirty="0" smtClean="0"/>
+                        <a:t> </a:t>
+                      </a:r>
+                      <a:r>
+                        <a:rPr lang="en-US" sz="2000" dirty="0" smtClean="0"/>
+                        <a:t>&lt; </a:t>
+                      </a:r>
+                      <a:r>
+                        <a:rPr lang="en-US" sz="2000" dirty="0" smtClean="0"/>
+                        <a:t>Gene</a:t>
+                      </a:r>
+                      <a:r>
+                        <a:rPr lang="en-US" sz="2000" i="1" baseline="-25000" dirty="0" smtClean="0"/>
+                        <a:t>3</a:t>
+                      </a:r>
+                      <a:r>
+                        <a:rPr lang="en-US" sz="2000" dirty="0" smtClean="0"/>
+                        <a:t>?</a:t>
+                      </a:r>
+                      <a:endParaRPr lang="en-US" sz="2000" dirty="0"/>
+                    </a:p>
+                  </a:txBody>
+                  <a:tcPr>
+                    <a:lnL w="12700" cmpd="sng">
+                      <a:noFill/>
+                    </a:lnL>
+                    <a:lnR w="12700" cmpd="sng">
+                      <a:noFill/>
+                    </a:lnR>
+                    <a:lnT w="12700" cap="flat" cmpd="sng" algn="ctr">
+                      <a:noFill/>
+                      <a:prstDash val="solid"/>
+                      <a:round/>
+                      <a:headEnd type="none" w="med" len="med"/>
+                      <a:tailEnd type="none" w="med" len="med"/>
+                    </a:lnT>
+                    <a:lnB w="12700" cap="flat" cmpd="sng" algn="ctr">
+                      <a:noFill/>
+                      <a:prstDash val="solid"/>
+                      <a:round/>
+                      <a:headEnd type="none" w="med" len="med"/>
+                      <a:tailEnd type="none" w="med" len="med"/>
+                    </a:lnB>
+                    <a:lnTlToBr w="12700" cmpd="sng">
+                      <a:noFill/>
+                      <a:prstDash val="solid"/>
+                    </a:lnTlToBr>
+                    <a:lnBlToTr w="12700" cmpd="sng">
+                      <a:noFill/>
+                      <a:prstDash val="solid"/>
+                    </a:lnBlToTr>
+                    <a:noFill/>
+                  </a:tcPr>
+                </a:tc>
+              </a:tr>
+              <a:tr h="370840">
+                <a:tc>
+                  <a:txBody>
+                    <a:bodyPr/>
+                    <a:lstStyle/>
+                    <a:p>
+                      <a:r>
+                        <a:rPr lang="en-US" sz="2000" dirty="0" smtClean="0"/>
+                        <a:t>…</a:t>
+                      </a:r>
+                    </a:p>
+                  </a:txBody>
+                  <a:tcPr>
+                    <a:lnL w="12700" cmpd="sng">
+                      <a:noFill/>
+                    </a:lnL>
+                    <a:lnR w="12700" cmpd="sng">
+                      <a:noFill/>
+                    </a:lnR>
+                    <a:lnT w="12700" cap="flat" cmpd="sng" algn="ctr">
+                      <a:noFill/>
+                      <a:prstDash val="solid"/>
+                      <a:round/>
+                      <a:headEnd type="none" w="med" len="med"/>
+                      <a:tailEnd type="none" w="med" len="med"/>
+                    </a:lnT>
+                    <a:lnB w="12700" cmpd="sng">
+                      <a:noFill/>
+                    </a:lnB>
+                    <a:lnTlToBr w="12700" cmpd="sng">
+                      <a:noFill/>
+                      <a:prstDash val="solid"/>
+                    </a:lnTlToBr>
+                    <a:lnBlToTr w="12700" cmpd="sng">
+                      <a:noFill/>
+                      <a:prstDash val="solid"/>
+                    </a:lnBlToTr>
+                    <a:noFill/>
+                  </a:tcPr>
+                </a:tc>
+              </a:tr>
+              <a:tr h="370840">
+                <a:tc>
+                  <a:txBody>
+                    <a:bodyPr/>
+                    <a:lstStyle/>
+                    <a:p>
+                      <a:pPr marL="0" marR="0" indent="0" algn="l" defTabSz="457200" rtl="0" eaLnBrk="1" fontAlgn="auto" latinLnBrk="0" hangingPunct="1">
+                        <a:lnSpc>
+                          <a:spcPct val="100000"/>
+                        </a:lnSpc>
+                        <a:spcBef>
+                          <a:spcPts val="0"/>
+                        </a:spcBef>
+                        <a:spcAft>
+                          <a:spcPts val="0"/>
+                        </a:spcAft>
+                        <a:buClrTx/>
+                        <a:buSzTx/>
+                        <a:buFontTx/>
+                        <a:buNone/>
+                        <a:tabLst/>
+                        <a:defRPr/>
+                      </a:pPr>
+                      <a:r>
+                        <a:rPr lang="en-US" sz="2000" b="0" dirty="0" smtClean="0"/>
+                        <a:t>Gene</a:t>
+                      </a:r>
+                      <a:r>
+                        <a:rPr lang="en-US" sz="2000" b="0" i="1" baseline="-25000" dirty="0" smtClean="0"/>
+                        <a:t>2</a:t>
+                      </a:r>
+                      <a:r>
+                        <a:rPr lang="en-US" sz="2000" dirty="0" smtClean="0"/>
+                        <a:t> &lt; </a:t>
+                      </a:r>
+                      <a:r>
+                        <a:rPr lang="en-US" sz="2000" dirty="0" err="1" smtClean="0"/>
+                        <a:t>Gene</a:t>
+                      </a:r>
+                      <a:r>
+                        <a:rPr lang="en-US" sz="2000" i="1" baseline="-25000" dirty="0" err="1" smtClean="0"/>
+                        <a:t>n</a:t>
+                      </a:r>
+                      <a:r>
+                        <a:rPr lang="en-US" sz="2000" dirty="0" smtClean="0"/>
+                        <a:t>?</a:t>
+                      </a:r>
+                      <a:endParaRPr lang="en-US" sz="2000" dirty="0" smtClean="0"/>
+                    </a:p>
+                  </a:txBody>
+                  <a:tcPr>
+                    <a:lnL w="12700" cmpd="sng">
+                      <a:noFill/>
+                    </a:lnL>
+                    <a:lnR w="12700" cmpd="sng">
+                      <a:noFill/>
+                    </a:lnR>
+                    <a:lnT w="12700" cap="flat" cmpd="sng" algn="ctr">
+                      <a:noFill/>
+                      <a:prstDash val="solid"/>
+                      <a:round/>
+                      <a:headEnd type="none" w="med" len="med"/>
+                      <a:tailEnd type="none" w="med" len="med"/>
+                    </a:lnT>
+                    <a:lnB w="12700" cmpd="sng">
+                      <a:noFill/>
+                    </a:lnB>
+                    <a:lnTlToBr w="12700" cmpd="sng">
+                      <a:noFill/>
+                      <a:prstDash val="solid"/>
+                    </a:lnTlToBr>
+                    <a:lnBlToTr w="12700" cmpd="sng">
+                      <a:noFill/>
+                      <a:prstDash val="solid"/>
+                    </a:lnBlToTr>
+                    <a:noFill/>
+                  </a:tcPr>
+                </a:tc>
+              </a:tr>
+              <a:tr h="370840">
+                <a:tc>
+                  <a:txBody>
+                    <a:bodyPr/>
+                    <a:lstStyle/>
+                    <a:p>
+                      <a:r>
+                        <a:rPr lang="mr-IN" sz="2000" dirty="0" smtClean="0"/>
+                        <a:t>…</a:t>
+                      </a:r>
+                      <a:endParaRPr lang="en-US" sz="2000" dirty="0" smtClean="0"/>
+                    </a:p>
+                  </a:txBody>
+                  <a:tcPr>
+                    <a:lnL w="12700" cmpd="sng">
+                      <a:noFill/>
+                    </a:lnL>
+                    <a:lnR w="12700" cmpd="sng">
+                      <a:noFill/>
+                    </a:lnR>
+                    <a:lnT w="12700" cap="flat" cmpd="sng" algn="ctr">
+                      <a:noFill/>
+                      <a:prstDash val="solid"/>
+                      <a:round/>
+                      <a:headEnd type="none" w="med" len="med"/>
+                      <a:tailEnd type="none" w="med" len="med"/>
+                    </a:lnT>
+                    <a:lnB w="12700" cmpd="sng">
+                      <a:noFill/>
+                    </a:lnB>
+                    <a:lnTlToBr w="12700" cmpd="sng">
+                      <a:noFill/>
+                      <a:prstDash val="solid"/>
+                    </a:lnTlToBr>
+                    <a:lnBlToTr w="12700" cmpd="sng">
+                      <a:noFill/>
+                      <a:prstDash val="solid"/>
+                    </a:lnBlToTr>
+                    <a:noFill/>
+                  </a:tcPr>
+                </a:tc>
+              </a:tr>
+              <a:tr h="370840">
+                <a:tc>
+                  <a:txBody>
+                    <a:bodyPr/>
+                    <a:lstStyle/>
+                    <a:p>
+                      <a:pPr marL="0" marR="0" indent="0" algn="l" defTabSz="914400" rtl="0" eaLnBrk="1" fontAlgn="auto" latinLnBrk="0" hangingPunct="1">
+                        <a:lnSpc>
+                          <a:spcPct val="100000"/>
+                        </a:lnSpc>
+                        <a:spcBef>
+                          <a:spcPts val="0"/>
+                        </a:spcBef>
+                        <a:spcAft>
+                          <a:spcPts val="0"/>
+                        </a:spcAft>
+                        <a:buClrTx/>
+                        <a:buSzTx/>
+                        <a:buFontTx/>
+                        <a:buNone/>
+                        <a:tabLst/>
+                        <a:defRPr/>
+                      </a:pPr>
+                      <a:r>
+                        <a:rPr lang="en-US" sz="2000" dirty="0" smtClean="0"/>
+                        <a:t>Gene</a:t>
+                      </a:r>
+                      <a:r>
+                        <a:rPr lang="en-US" sz="2000" i="1" baseline="-25000" dirty="0" smtClean="0"/>
+                        <a:t>(n-1)</a:t>
+                      </a:r>
+                      <a:r>
+                        <a:rPr lang="en-US" sz="2000" dirty="0" smtClean="0"/>
+                        <a:t> </a:t>
+                      </a:r>
+                      <a:r>
+                        <a:rPr lang="en-US" sz="2000" dirty="0" smtClean="0"/>
+                        <a:t>&lt; </a:t>
+                      </a:r>
+                      <a:r>
+                        <a:rPr lang="en-US" sz="2000" dirty="0" err="1" smtClean="0"/>
+                        <a:t>Gene</a:t>
+                      </a:r>
+                      <a:r>
+                        <a:rPr lang="en-US" sz="2000" i="1" baseline="-25000" dirty="0" err="1" smtClean="0"/>
+                        <a:t>n</a:t>
+                      </a:r>
+                      <a:r>
+                        <a:rPr lang="en-US" sz="2000" dirty="0" smtClean="0"/>
+                        <a:t>?</a:t>
+                      </a:r>
+                      <a:endParaRPr lang="en-US" sz="2000" dirty="0" smtClean="0"/>
+                    </a:p>
+                  </a:txBody>
+                  <a:tcPr>
+                    <a:lnL w="12700" cmpd="sng">
+                      <a:noFill/>
+                    </a:lnL>
+                    <a:lnR w="12700" cmpd="sng">
+                      <a:noFill/>
+                    </a:lnR>
+                    <a:lnT w="12700" cap="flat" cmpd="sng" algn="ctr">
+                      <a:noFill/>
+                      <a:prstDash val="solid"/>
+                      <a:round/>
+                      <a:headEnd type="none" w="med" len="med"/>
+                      <a:tailEnd type="none" w="med" len="med"/>
+                    </a:lnT>
+                    <a:lnB w="12700" cmpd="sng">
+                      <a:noFill/>
+                    </a:lnB>
+                    <a:lnTlToBr w="12700" cmpd="sng">
+                      <a:noFill/>
+                      <a:prstDash val="solid"/>
+                    </a:lnTlToBr>
+                    <a:lnBlToTr w="12700" cmpd="sng">
+                      <a:noFill/>
+                      <a:prstDash val="solid"/>
+                    </a:lnBlToTr>
+                    <a:noFill/>
+                  </a:tcPr>
+                </a:tc>
+              </a:tr>
+            </a:tbl>
+          </a:graphicData>
+        </a:graphic>
+      </p:graphicFrame>
+      <p:sp>
+        <p:nvSpPr>
+          <p:cNvPr id="10" name="TextBox 9"/>
+          <p:cNvSpPr txBox="1"/>
+          <p:nvPr/>
+        </p:nvSpPr>
+        <p:spPr>
+          <a:xfrm>
+            <a:off x="6377094" y="1009486"/>
+            <a:ext cx="3142577" cy="461665"/>
+          </a:xfrm>
+          <a:prstGeom prst="rect">
+            <a:avLst/>
+          </a:prstGeom>
+          <a:noFill/>
+        </p:spPr>
+        <p:txBody>
+          <a:bodyPr wrap="square" rtlCol="0">
+            <a:spAutoFit/>
+          </a:bodyPr>
+          <a:lstStyle/>
+          <a:p>
+            <a:r>
+              <a:rPr lang="en-US" sz="2400" dirty="0" smtClean="0"/>
+              <a:t>New representation</a:t>
+            </a:r>
+            <a:endParaRPr lang="en-US" sz="2400" dirty="0"/>
+          </a:p>
+        </p:txBody>
+      </p:sp>
+      <p:sp>
+        <p:nvSpPr>
+          <p:cNvPr id="2" name="TextBox 1"/>
+          <p:cNvSpPr txBox="1"/>
+          <p:nvPr/>
+        </p:nvSpPr>
+        <p:spPr>
+          <a:xfrm>
+            <a:off x="3102707" y="3938711"/>
+            <a:ext cx="1343829" cy="461665"/>
+          </a:xfrm>
+          <a:prstGeom prst="rect">
+            <a:avLst/>
+          </a:prstGeom>
+          <a:noFill/>
+        </p:spPr>
+        <p:txBody>
+          <a:bodyPr wrap="none" rtlCol="0">
+            <a:spAutoFit/>
+          </a:bodyPr>
+          <a:lstStyle/>
+          <a:p>
+            <a:r>
+              <a:rPr lang="en-US" sz="2400" dirty="0" smtClean="0"/>
+              <a:t>Length: </a:t>
+            </a:r>
+            <a:r>
+              <a:rPr lang="en-US" sz="2400" i="1" dirty="0"/>
+              <a:t>n</a:t>
+            </a:r>
+            <a:endParaRPr lang="en-US" sz="2400" i="1" dirty="0"/>
+          </a:p>
+        </p:txBody>
+      </p:sp>
+      <p:sp>
+        <p:nvSpPr>
+          <p:cNvPr id="11" name="TextBox 10"/>
+          <p:cNvSpPr txBox="1"/>
+          <p:nvPr/>
+        </p:nvSpPr>
+        <p:spPr>
+          <a:xfrm>
+            <a:off x="9249808" y="3938711"/>
+            <a:ext cx="2212657" cy="461665"/>
+          </a:xfrm>
+          <a:prstGeom prst="rect">
+            <a:avLst/>
+          </a:prstGeom>
+          <a:noFill/>
+        </p:spPr>
+        <p:txBody>
+          <a:bodyPr wrap="none" rtlCol="0">
+            <a:spAutoFit/>
+          </a:bodyPr>
+          <a:lstStyle/>
+          <a:p>
+            <a:r>
+              <a:rPr lang="en-US" sz="2400" dirty="0" smtClean="0"/>
+              <a:t>Length: </a:t>
+            </a:r>
+            <a:r>
+              <a:rPr lang="en-US" sz="2400" i="1" dirty="0" smtClean="0"/>
+              <a:t>n(n-1</a:t>
+            </a:r>
+            <a:r>
+              <a:rPr lang="en-US" sz="2400" i="1" dirty="0" smtClean="0"/>
+              <a:t>)/2</a:t>
+            </a:r>
+            <a:endParaRPr lang="en-US" sz="2400" i="1" dirty="0"/>
+          </a:p>
+        </p:txBody>
+      </p:sp>
+      <p:sp>
+        <p:nvSpPr>
+          <p:cNvPr id="12" name="TextBox 11"/>
+          <p:cNvSpPr txBox="1"/>
+          <p:nvPr/>
+        </p:nvSpPr>
+        <p:spPr>
+          <a:xfrm>
+            <a:off x="3102707" y="4400376"/>
+            <a:ext cx="1946302" cy="461665"/>
+          </a:xfrm>
+          <a:prstGeom prst="rect">
+            <a:avLst/>
+          </a:prstGeom>
+          <a:noFill/>
+        </p:spPr>
+        <p:txBody>
+          <a:bodyPr wrap="none" rtlCol="0">
+            <a:spAutoFit/>
+          </a:bodyPr>
+          <a:lstStyle/>
+          <a:p>
+            <a:r>
+              <a:rPr lang="en-US" sz="2400" dirty="0" smtClean="0"/>
+              <a:t>Value: </a:t>
+            </a:r>
+            <a:r>
+              <a:rPr lang="en-US" sz="2400" dirty="0" smtClean="0">
+                <a:solidFill>
+                  <a:srgbClr val="FF0000"/>
+                </a:solidFill>
+              </a:rPr>
+              <a:t>Ordinal</a:t>
+            </a:r>
+            <a:endParaRPr lang="en-US" sz="2400" i="1" dirty="0">
+              <a:solidFill>
+                <a:srgbClr val="FF0000"/>
+              </a:solidFill>
+            </a:endParaRPr>
+          </a:p>
+        </p:txBody>
+      </p:sp>
+      <p:sp>
+        <p:nvSpPr>
+          <p:cNvPr id="13" name="TextBox 12"/>
+          <p:cNvSpPr txBox="1"/>
+          <p:nvPr/>
+        </p:nvSpPr>
+        <p:spPr>
+          <a:xfrm>
+            <a:off x="9249808" y="4400377"/>
+            <a:ext cx="1821653" cy="461665"/>
+          </a:xfrm>
+          <a:prstGeom prst="rect">
+            <a:avLst/>
+          </a:prstGeom>
+          <a:noFill/>
+        </p:spPr>
+        <p:txBody>
+          <a:bodyPr wrap="none" rtlCol="0">
+            <a:spAutoFit/>
+          </a:bodyPr>
+          <a:lstStyle/>
+          <a:p>
+            <a:r>
+              <a:rPr lang="en-US" sz="2400" dirty="0" smtClean="0"/>
+              <a:t>Value: Binary</a:t>
+            </a:r>
+            <a:endParaRPr lang="en-US" sz="2400" i="1" dirty="0"/>
+          </a:p>
+        </p:txBody>
+      </p:sp>
+      <p:sp>
+        <p:nvSpPr>
+          <p:cNvPr id="15" name="Right Arrow 14"/>
+          <p:cNvSpPr/>
+          <p:nvPr/>
+        </p:nvSpPr>
+        <p:spPr>
+          <a:xfrm>
+            <a:off x="4939136" y="2901664"/>
+            <a:ext cx="802228" cy="369332"/>
+          </a:xfrm>
+          <a:prstGeom prst="rightArrow">
+            <a:avLst>
+              <a:gd name="adj1" fmla="val 38628"/>
+              <a:gd name="adj2" fmla="val 70535"/>
+            </a:avLst>
+          </a:prstGeom>
+          <a:solidFill>
+            <a:srgbClr val="FF0000"/>
+          </a:solidFill>
+          <a:ln>
+            <a:solidFill>
+              <a:srgbClr val="FF0000"/>
+            </a:solidFill>
+          </a:ln>
+        </p:spPr>
+        <p:style>
+          <a:lnRef idx="1">
+            <a:schemeClr val="accent2"/>
+          </a:lnRef>
+          <a:fillRef idx="3">
+            <a:schemeClr val="accent2"/>
+          </a:fillRef>
+          <a:effectRef idx="2">
+            <a:schemeClr val="accent2"/>
+          </a:effectRef>
+          <a:fontRef idx="minor">
+            <a:schemeClr val="lt1"/>
+          </a:fontRef>
+        </p:style>
+        <p:txBody>
+          <a:bodyPr rtlCol="0" anchor="ctr"/>
+          <a:lstStyle/>
+          <a:p>
+            <a:pPr algn="ctr"/>
+            <a:endParaRPr lang="en-US" sz="2000" b="1" dirty="0">
+              <a:ln w="22225">
+                <a:solidFill>
+                  <a:schemeClr val="accent2"/>
+                </a:solidFill>
+                <a:prstDash val="solid"/>
+              </a:ln>
+              <a:solidFill>
+                <a:schemeClr val="accent2">
+                  <a:lumMod val="40000"/>
+                  <a:lumOff val="60000"/>
+                </a:schemeClr>
+              </a:solidFill>
+            </a:endParaRPr>
+          </a:p>
+        </p:txBody>
+      </p:sp>
+    </p:spTree>
+    <p:extLst>
+      <p:ext uri="{BB962C8B-B14F-4D97-AF65-F5344CB8AC3E}">
+        <p14:creationId xmlns:p14="http://schemas.microsoft.com/office/powerpoint/2010/main" val="1897431151"/>
+      </p:ext>
+    </p:extLst>
+  </p:cSld>
+  <p:clrMapOvr>
+    <a:masterClrMapping/>
+  </p:clrMapOvr>
+</p:sld>
+</file>
+
+<file path=ppt/slides/slide3.xml><?xml version="1.0" encoding="utf-8"?>
 <p:sld xmlns:a="http://schemas.openxmlformats.org/drawingml/2006/main" xmlns:r="http://schemas.openxmlformats.org/officeDocument/2006/relationships" xmlns:p="http://schemas.openxmlformats.org/presentationml/2006/main">
   <p:cSld>
     <p:spTree>
@@ -4298,7 +6375,7 @@
         </p:blipFill>
         <p:spPr>
           <a:xfrm>
-            <a:off x="2304476" y="2485618"/>
+            <a:off x="2243180" y="2485618"/>
             <a:ext cx="3364588" cy="1646115"/>
           </a:xfrm>
           <a:prstGeom prst="rect">
@@ -4314,8 +6391,8 @@
         </p:nvSpPr>
         <p:spPr>
           <a:xfrm>
-            <a:off x="3265098" y="2018249"/>
-            <a:ext cx="1147237" cy="461665"/>
+            <a:off x="3203802" y="2018249"/>
+            <a:ext cx="1144031" cy="461665"/>
           </a:xfrm>
           <a:prstGeom prst="rect">
             <a:avLst/>
@@ -4330,7 +6407,7 @@
           <a:p>
             <a:r>
               <a:rPr lang="en-US" sz="2400" i="1" dirty="0"/>
-              <a:t>p</a:t>
+              <a:t>n</a:t>
             </a:r>
             <a:r>
               <a:rPr lang="en-US" sz="2400" dirty="0" smtClean="0"/>
@@ -4348,8 +6425,8 @@
         </p:nvSpPr>
         <p:spPr>
           <a:xfrm rot="16200000">
-            <a:off x="1300441" y="3140229"/>
-            <a:ext cx="1313052" cy="461665"/>
+            <a:off x="1164896" y="3140229"/>
+            <a:ext cx="1461554" cy="461665"/>
           </a:xfrm>
           <a:prstGeom prst="rect">
             <a:avLst/>
@@ -4364,7 +6441,7 @@
           <a:p>
             <a:r>
               <a:rPr lang="en-US" sz="2000" i="1" dirty="0"/>
-              <a:t>n</a:t>
+              <a:t>m</a:t>
             </a:r>
             <a:r>
               <a:rPr lang="en-US" sz="2000" dirty="0" smtClean="0"/>
@@ -4372,7 +6449,7 @@
             </a:r>
             <a:r>
               <a:rPr lang="en-US" sz="2400" dirty="0" smtClean="0"/>
-              <a:t>profiles</a:t>
+              <a:t>patients</a:t>
             </a:r>
             <a:endParaRPr lang="en-US" sz="2000" dirty="0"/>
           </a:p>
@@ -4386,7 +6463,7 @@
         </p:nvGrpSpPr>
         <p:grpSpPr>
           <a:xfrm>
-            <a:off x="6144501" y="2790556"/>
+            <a:off x="6453782" y="2790556"/>
             <a:ext cx="913598" cy="400110"/>
             <a:chOff x="6908800" y="4344931"/>
             <a:chExt cx="913598" cy="400110"/>
@@ -4472,7 +6549,7 @@
         </p:nvGrpSpPr>
         <p:grpSpPr>
           <a:xfrm>
-            <a:off x="6051925" y="2479914"/>
+            <a:off x="6361206" y="2479914"/>
             <a:ext cx="1006174" cy="400110"/>
             <a:chOff x="6908800" y="4781034"/>
             <a:chExt cx="1006174" cy="400110"/>
@@ -4558,7 +6635,7 @@
         </p:nvGrpSpPr>
         <p:grpSpPr>
           <a:xfrm>
-            <a:off x="6144501" y="3093118"/>
+            <a:off x="6453782" y="3093118"/>
             <a:ext cx="913598" cy="400110"/>
             <a:chOff x="6908800" y="4344931"/>
             <a:chExt cx="913598" cy="400110"/>
@@ -4644,7 +6721,7 @@
         </p:nvGrpSpPr>
         <p:grpSpPr>
           <a:xfrm>
-            <a:off x="6051925" y="3731623"/>
+            <a:off x="6361206" y="3731623"/>
             <a:ext cx="1020462" cy="400110"/>
             <a:chOff x="6908800" y="4781034"/>
             <a:chExt cx="1020462" cy="400110"/>
@@ -4730,7 +6807,7 @@
         </p:nvSpPr>
         <p:spPr>
           <a:xfrm>
-            <a:off x="5930272" y="2556025"/>
+            <a:off x="6239553" y="2556025"/>
             <a:ext cx="1428319" cy="1506829"/>
           </a:xfrm>
           <a:prstGeom prst="bracketPair">
@@ -4768,7 +6845,7 @@
         </p:nvSpPr>
         <p:spPr>
           <a:xfrm>
-            <a:off x="6436056" y="3403761"/>
+            <a:off x="6745337" y="3403761"/>
             <a:ext cx="361748" cy="400110"/>
           </a:xfrm>
           <a:prstGeom prst="rect">
@@ -4798,7 +6875,7 @@
         </p:nvSpPr>
         <p:spPr>
           <a:xfrm>
-            <a:off x="2730560" y="4274608"/>
+            <a:off x="2669264" y="4274608"/>
             <a:ext cx="2512419" cy="461665"/>
           </a:xfrm>
           <a:prstGeom prst="rect">
@@ -4813,8 +6890,12 @@
           <a:lstStyle/>
           <a:p>
             <a:r>
+              <a:rPr lang="en-US" sz="2400" i="1" dirty="0" smtClean="0"/>
+              <a:t>X</a:t>
+            </a:r>
+            <a:r>
               <a:rPr lang="en-US" sz="2400" dirty="0" smtClean="0"/>
-              <a:t>X: gene expression</a:t>
+              <a:t>: gene expression</a:t>
             </a:r>
             <a:endParaRPr lang="en-US" sz="2400" dirty="0"/>
           </a:p>
@@ -4828,7 +6909,7 @@
         </p:nvSpPr>
         <p:spPr>
           <a:xfrm>
-            <a:off x="5736493" y="4274608"/>
+            <a:off x="5986009" y="4274608"/>
             <a:ext cx="4347600" cy="461665"/>
           </a:xfrm>
           <a:prstGeom prst="rect">
@@ -4843,7 +6924,7 @@
           <a:lstStyle/>
           <a:p>
             <a:r>
-              <a:rPr lang="en-US" sz="2400" b="1" dirty="0" smtClean="0"/>
+              <a:rPr lang="en-US" sz="2400" b="1" i="1" dirty="0" smtClean="0"/>
               <a:t>y</a:t>
             </a:r>
             <a:r>
@@ -4862,7 +6943,7 @@
         </p:nvSpPr>
         <p:spPr>
           <a:xfrm>
-            <a:off x="7396558" y="3140228"/>
+            <a:off x="7705839" y="3140228"/>
             <a:ext cx="453970" cy="461665"/>
           </a:xfrm>
           <a:prstGeom prst="rect">
@@ -4892,7 +6973,7 @@
         </p:nvSpPr>
         <p:spPr>
           <a:xfrm>
-            <a:off x="8288446" y="2814347"/>
+            <a:off x="8597727" y="2814347"/>
             <a:ext cx="1099468" cy="400110"/>
           </a:xfrm>
           <a:prstGeom prst="rect">
@@ -4922,7 +7003,7 @@
         </p:nvSpPr>
         <p:spPr>
           <a:xfrm>
-            <a:off x="8043822" y="2506495"/>
+            <a:off x="8353103" y="2506495"/>
             <a:ext cx="1357551" cy="400110"/>
           </a:xfrm>
           <a:prstGeom prst="rect">
@@ -4956,7 +7037,7 @@
         </p:nvSpPr>
         <p:spPr>
           <a:xfrm>
-            <a:off x="8160206" y="3143279"/>
+            <a:off x="8469487" y="3143279"/>
             <a:ext cx="1227708" cy="400110"/>
           </a:xfrm>
           <a:prstGeom prst="rect">
@@ -4986,7 +7067,7 @@
         </p:nvSpPr>
         <p:spPr>
           <a:xfrm>
-            <a:off x="8172062" y="3803061"/>
+            <a:off x="8481343" y="3803061"/>
             <a:ext cx="1229311" cy="400110"/>
           </a:xfrm>
           <a:prstGeom prst="rect">
@@ -5016,8 +7097,8 @@
         </p:nvSpPr>
         <p:spPr>
           <a:xfrm>
-            <a:off x="7850528" y="2577337"/>
-            <a:ext cx="2033060" cy="1506829"/>
+            <a:off x="8159809" y="2577337"/>
+            <a:ext cx="1938932" cy="1506829"/>
           </a:xfrm>
           <a:prstGeom prst="bracketPair">
             <a:avLst/>
@@ -5054,7 +7135,7 @@
         </p:nvSpPr>
         <p:spPr>
           <a:xfrm>
-            <a:off x="8349982" y="3425073"/>
+            <a:off x="8659263" y="3425073"/>
             <a:ext cx="361748" cy="400110"/>
           </a:xfrm>
           <a:prstGeom prst="rect">
@@ -5080,6 +7161,146 @@
     <p:extLst>
       <p:ext uri="{BB962C8B-B14F-4D97-AF65-F5344CB8AC3E}">
         <p14:creationId xmlns:p14="http://schemas.microsoft.com/office/powerpoint/2010/main" val="1379512723"/>
+      </p:ext>
+    </p:extLst>
+  </p:cSld>
+  <p:clrMapOvr>
+    <a:masterClrMapping/>
+  </p:clrMapOvr>
+</p:sld>
+</file>
+
+<file path=ppt/slides/slide4.xml><?xml version="1.0" encoding="utf-8"?>
+<p:sld xmlns:a="http://schemas.openxmlformats.org/drawingml/2006/main" xmlns:r="http://schemas.openxmlformats.org/officeDocument/2006/relationships" xmlns:p="http://schemas.openxmlformats.org/presentationml/2006/main">
+  <p:cSld>
+    <p:spTree>
+      <p:nvGrpSpPr>
+        <p:cNvPr id="1" name=""/>
+        <p:cNvGrpSpPr/>
+        <p:nvPr/>
+      </p:nvGrpSpPr>
+      <p:grpSpPr>
+        <a:xfrm>
+          <a:off x="0" y="0"/>
+          <a:ext cx="0" cy="0"/>
+          <a:chOff x="0" y="0"/>
+          <a:chExt cx="0" cy="0"/>
+        </a:xfrm>
+      </p:grpSpPr>
+      <p:pic>
+        <p:nvPicPr>
+          <p:cNvPr id="4" name="Picture 3" descr="Screen Shot 2014-09-05 at 00.57.35.png"/>
+          <p:cNvPicPr>
+            <a:picLocks noChangeAspect="1"/>
+          </p:cNvPicPr>
+          <p:nvPr/>
+        </p:nvPicPr>
+        <p:blipFill>
+          <a:blip r:embed="rId2">
+            <a:extLst>
+              <a:ext uri="{28A0092B-C50C-407E-A947-70E740481C1C}">
+                <a14:useLocalDpi xmlns:a14="http://schemas.microsoft.com/office/drawing/2010/main" val="0"/>
+              </a:ext>
+            </a:extLst>
+          </a:blip>
+          <a:stretch>
+            <a:fillRect/>
+          </a:stretch>
+        </p:blipFill>
+        <p:spPr>
+          <a:xfrm>
+            <a:off x="1350848" y="2485617"/>
+            <a:ext cx="3364588" cy="1646115"/>
+          </a:xfrm>
+          <a:prstGeom prst="rect">
+            <a:avLst/>
+          </a:prstGeom>
+        </p:spPr>
+      </p:pic>
+      <p:pic>
+        <p:nvPicPr>
+          <p:cNvPr id="5" name="Picture 4"/>
+          <p:cNvPicPr>
+            <a:picLocks noChangeAspect="1"/>
+          </p:cNvPicPr>
+          <p:nvPr/>
+        </p:nvPicPr>
+        <p:blipFill>
+          <a:blip r:embed="rId3">
+            <a:extLst>
+              <a:ext uri="{28A0092B-C50C-407E-A947-70E740481C1C}">
+                <a14:useLocalDpi xmlns:a14="http://schemas.microsoft.com/office/drawing/2010/main" val="0"/>
+              </a:ext>
+            </a:extLst>
+          </a:blip>
+          <a:stretch>
+            <a:fillRect/>
+          </a:stretch>
+        </p:blipFill>
+        <p:spPr>
+          <a:xfrm>
+            <a:off x="6728012" y="1455220"/>
+            <a:ext cx="3706906" cy="3706906"/>
+          </a:xfrm>
+          <a:prstGeom prst="rect">
+            <a:avLst/>
+          </a:prstGeom>
+        </p:spPr>
+      </p:pic>
+      <p:sp>
+        <p:nvSpPr>
+          <p:cNvPr id="6" name="Cross 5"/>
+          <p:cNvSpPr/>
+          <p:nvPr/>
+        </p:nvSpPr>
+        <p:spPr>
+          <a:xfrm>
+            <a:off x="5378824" y="2972497"/>
+            <a:ext cx="685800" cy="672353"/>
+          </a:xfrm>
+          <a:prstGeom prst="plus">
+            <a:avLst>
+              <a:gd name="adj" fmla="val 39000"/>
+            </a:avLst>
+          </a:prstGeom>
+          <a:solidFill>
+            <a:srgbClr val="FF0000"/>
+          </a:solidFill>
+          <a:ln>
+            <a:solidFill>
+              <a:srgbClr val="FF0000"/>
+            </a:solidFill>
+          </a:ln>
+        </p:spPr>
+        <p:style>
+          <a:lnRef idx="2">
+            <a:schemeClr val="accent1">
+              <a:shade val="50000"/>
+            </a:schemeClr>
+          </a:lnRef>
+          <a:fillRef idx="1">
+            <a:schemeClr val="accent1"/>
+          </a:fillRef>
+          <a:effectRef idx="0">
+            <a:schemeClr val="accent1"/>
+          </a:effectRef>
+          <a:fontRef idx="minor">
+            <a:schemeClr val="lt1"/>
+          </a:fontRef>
+        </p:style>
+        <p:txBody>
+          <a:bodyPr rtlCol="0" anchor="ctr"/>
+          <a:lstStyle/>
+          <a:p>
+            <a:pPr algn="ctr"/>
+            <a:endParaRPr lang="en-US"/>
+          </a:p>
+        </p:txBody>
+      </p:sp>
+    </p:spTree>
+    <p:extLst>
+      <p:ext uri="{BB962C8B-B14F-4D97-AF65-F5344CB8AC3E}">
+        <p14:creationId xmlns:p14="http://schemas.microsoft.com/office/powerpoint/2010/main" val="1938452341"/>
       </p:ext>
     </p:extLst>
   </p:cSld>
@@ -5348,4 +7569,265 @@
     </a:ext>
   </a:extLst>
 </a:theme>
+</file>
+
+<file path=ppt/theme/theme2.xml><?xml version="1.0" encoding="utf-8"?>
+<a:theme xmlns:a="http://schemas.openxmlformats.org/drawingml/2006/main" name="Office Theme">
+  <a:themeElements>
+    <a:clrScheme name="Office">
+      <a:dk1>
+        <a:sysClr val="windowText" lastClr="000000"/>
+      </a:dk1>
+      <a:lt1>
+        <a:sysClr val="window" lastClr="FFFFFF"/>
+      </a:lt1>
+      <a:dk2>
+        <a:srgbClr val="44546A"/>
+      </a:dk2>
+      <a:lt2>
+        <a:srgbClr val="E7E6E6"/>
+      </a:lt2>
+      <a:accent1>
+        <a:srgbClr val="4472C4"/>
+      </a:accent1>
+      <a:accent2>
+        <a:srgbClr val="ED7D31"/>
+      </a:accent2>
+      <a:accent3>
+        <a:srgbClr val="A5A5A5"/>
+      </a:accent3>
+      <a:accent4>
+        <a:srgbClr val="FFC000"/>
+      </a:accent4>
+      <a:accent5>
+        <a:srgbClr val="5B9BD5"/>
+      </a:accent5>
+      <a:accent6>
+        <a:srgbClr val="70AD47"/>
+      </a:accent6>
+      <a:hlink>
+        <a:srgbClr val="0563C1"/>
+      </a:hlink>
+      <a:folHlink>
+        <a:srgbClr val="954F72"/>
+      </a:folHlink>
+    </a:clrScheme>
+    <a:fontScheme name="Office">
+      <a:majorFont>
+        <a:latin typeface="Calibri Light" panose="020F0302020204030204"/>
+        <a:ea typeface=""/>
+        <a:cs typeface=""/>
+        <a:font script="Jpan" typeface="Yu Gothic Light"/>
+        <a:font script="Hang" typeface="맑은 고딕"/>
+        <a:font script="Hans" typeface="DengXian Light"/>
+        <a:font script="Hant" typeface="新細明體"/>
+        <a:font script="Arab" typeface="Times New Roman"/>
+        <a:font script="Hebr" typeface="Times New Roman"/>
+        <a:font script="Thai" typeface="Angsana New"/>
+        <a:font script="Ethi" typeface="Nyala"/>
+        <a:font script="Beng" typeface="Vrinda"/>
+        <a:font script="Gujr" typeface="Shruti"/>
+        <a:font script="Khmr" typeface="MoolBoran"/>
+        <a:font script="Knda" typeface="Tunga"/>
+        <a:font script="Guru" typeface="Raavi"/>
+        <a:font script="Cans" typeface="Euphemia"/>
+        <a:font script="Cher" typeface="Plantagenet Cherokee"/>
+        <a:font script="Yiii" typeface="Microsoft Yi Baiti"/>
+        <a:font script="Tibt" typeface="Microsoft Himalaya"/>
+        <a:font script="Thaa" typeface="MV Boli"/>
+        <a:font script="Deva" typeface="Mangal"/>
+        <a:font script="Telu" typeface="Gautami"/>
+        <a:font script="Taml" typeface="Latha"/>
+        <a:font script="Syrc" typeface="Estrangelo Edessa"/>
+        <a:font script="Orya" typeface="Kalinga"/>
+        <a:font script="Mlym" typeface="Kartika"/>
+        <a:font script="Laoo" typeface="DokChampa"/>
+        <a:font script="Sinh" typeface="Iskoola Pota"/>
+        <a:font script="Mong" typeface="Mongolian Baiti"/>
+        <a:font script="Viet" typeface="Times New Roman"/>
+        <a:font script="Uigh" typeface="Microsoft Uighur"/>
+        <a:font script="Geor" typeface="Sylfaen"/>
+      </a:majorFont>
+      <a:minorFont>
+        <a:latin typeface="Calibri" panose="020F0502020204030204"/>
+        <a:ea typeface=""/>
+        <a:cs typeface=""/>
+        <a:font script="Jpan" typeface="Yu Gothic"/>
+        <a:font script="Hang" typeface="맑은 고딕"/>
+        <a:font script="Hans" typeface="DengXian"/>
+        <a:font script="Hant" typeface="新細明體"/>
+        <a:font script="Arab" typeface="Arial"/>
+        <a:font script="Hebr" typeface="Arial"/>
+        <a:font script="Thai" typeface="Cordia New"/>
+        <a:font script="Ethi" typeface="Nyala"/>
+        <a:font script="Beng" typeface="Vrinda"/>
+        <a:font script="Gujr" typeface="Shruti"/>
+        <a:font script="Khmr" typeface="DaunPenh"/>
+        <a:font script="Knda" typeface="Tunga"/>
+        <a:font script="Guru" typeface="Raavi"/>
+        <a:font script="Cans" typeface="Euphemia"/>
+        <a:font script="Cher" typeface="Plantagenet Cherokee"/>
+        <a:font script="Yiii" typeface="Microsoft Yi Baiti"/>
+        <a:font script="Tibt" typeface="Microsoft Himalaya"/>
+        <a:font script="Thaa" typeface="MV Boli"/>
+        <a:font script="Deva" typeface="Mangal"/>
+        <a:font script="Telu" typeface="Gautami"/>
+        <a:font script="Taml" typeface="Latha"/>
+        <a:font script="Syrc" typeface="Estrangelo Edessa"/>
+        <a:font script="Orya" typeface="Kalinga"/>
+        <a:font script="Mlym" typeface="Kartika"/>
+        <a:font script="Laoo" typeface="DokChampa"/>
+        <a:font script="Sinh" typeface="Iskoola Pota"/>
+        <a:font script="Mong" typeface="Mongolian Baiti"/>
+        <a:font script="Viet" typeface="Arial"/>
+        <a:font script="Uigh" typeface="Microsoft Uighur"/>
+        <a:font script="Geor" typeface="Sylfaen"/>
+      </a:minorFont>
+    </a:fontScheme>
+    <a:fmtScheme name="Office">
+      <a:fillStyleLst>
+        <a:solidFill>
+          <a:schemeClr val="phClr"/>
+        </a:solidFill>
+        <a:gradFill rotWithShape="1">
+          <a:gsLst>
+            <a:gs pos="0">
+              <a:schemeClr val="phClr">
+                <a:lumMod val="110000"/>
+                <a:satMod val="105000"/>
+                <a:tint val="67000"/>
+              </a:schemeClr>
+            </a:gs>
+            <a:gs pos="50000">
+              <a:schemeClr val="phClr">
+                <a:lumMod val="105000"/>
+                <a:satMod val="103000"/>
+                <a:tint val="73000"/>
+              </a:schemeClr>
+            </a:gs>
+            <a:gs pos="100000">
+              <a:schemeClr val="phClr">
+                <a:lumMod val="105000"/>
+                <a:satMod val="109000"/>
+                <a:tint val="81000"/>
+              </a:schemeClr>
+            </a:gs>
+          </a:gsLst>
+          <a:lin ang="5400000" scaled="0"/>
+        </a:gradFill>
+        <a:gradFill rotWithShape="1">
+          <a:gsLst>
+            <a:gs pos="0">
+              <a:schemeClr val="phClr">
+                <a:satMod val="103000"/>
+                <a:lumMod val="102000"/>
+                <a:tint val="94000"/>
+              </a:schemeClr>
+            </a:gs>
+            <a:gs pos="50000">
+              <a:schemeClr val="phClr">
+                <a:satMod val="110000"/>
+                <a:lumMod val="100000"/>
+                <a:shade val="100000"/>
+              </a:schemeClr>
+            </a:gs>
+            <a:gs pos="100000">
+              <a:schemeClr val="phClr">
+                <a:lumMod val="99000"/>
+                <a:satMod val="120000"/>
+                <a:shade val="78000"/>
+              </a:schemeClr>
+            </a:gs>
+          </a:gsLst>
+          <a:lin ang="5400000" scaled="0"/>
+        </a:gradFill>
+      </a:fillStyleLst>
+      <a:lnStyleLst>
+        <a:ln w="6350" cap="flat" cmpd="sng" algn="ctr">
+          <a:solidFill>
+            <a:schemeClr val="phClr"/>
+          </a:solidFill>
+          <a:prstDash val="solid"/>
+          <a:miter lim="800000"/>
+        </a:ln>
+        <a:ln w="12700" cap="flat" cmpd="sng" algn="ctr">
+          <a:solidFill>
+            <a:schemeClr val="phClr"/>
+          </a:solidFill>
+          <a:prstDash val="solid"/>
+          <a:miter lim="800000"/>
+        </a:ln>
+        <a:ln w="19050" cap="flat" cmpd="sng" algn="ctr">
+          <a:solidFill>
+            <a:schemeClr val="phClr"/>
+          </a:solidFill>
+          <a:prstDash val="solid"/>
+          <a:miter lim="800000"/>
+        </a:ln>
+      </a:lnStyleLst>
+      <a:effectStyleLst>
+        <a:effectStyle>
+          <a:effectLst/>
+        </a:effectStyle>
+        <a:effectStyle>
+          <a:effectLst/>
+        </a:effectStyle>
+        <a:effectStyle>
+          <a:effectLst>
+            <a:outerShdw blurRad="57150" dist="19050" dir="5400000" algn="ctr" rotWithShape="0">
+              <a:srgbClr val="000000">
+                <a:alpha val="63000"/>
+              </a:srgbClr>
+            </a:outerShdw>
+          </a:effectLst>
+        </a:effectStyle>
+      </a:effectStyleLst>
+      <a:bgFillStyleLst>
+        <a:solidFill>
+          <a:schemeClr val="phClr"/>
+        </a:solidFill>
+        <a:solidFill>
+          <a:schemeClr val="phClr">
+            <a:tint val="95000"/>
+            <a:satMod val="170000"/>
+          </a:schemeClr>
+        </a:solidFill>
+        <a:gradFill rotWithShape="1">
+          <a:gsLst>
+            <a:gs pos="0">
+              <a:schemeClr val="phClr">
+                <a:tint val="93000"/>
+                <a:satMod val="150000"/>
+                <a:shade val="98000"/>
+                <a:lumMod val="102000"/>
+              </a:schemeClr>
+            </a:gs>
+            <a:gs pos="50000">
+              <a:schemeClr val="phClr">
+                <a:tint val="98000"/>
+                <a:satMod val="130000"/>
+                <a:shade val="90000"/>
+                <a:lumMod val="103000"/>
+              </a:schemeClr>
+            </a:gs>
+            <a:gs pos="100000">
+              <a:schemeClr val="phClr">
+                <a:shade val="63000"/>
+                <a:satMod val="120000"/>
+              </a:schemeClr>
+            </a:gs>
+          </a:gsLst>
+          <a:lin ang="5400000" scaled="0"/>
+        </a:gradFill>
+      </a:bgFillStyleLst>
+    </a:fmtScheme>
+  </a:themeElements>
+  <a:objectDefaults/>
+  <a:extraClrSchemeLst/>
+  <a:extLst>
+    <a:ext uri="{05A4C25C-085E-4340-85A3-A5531E510DB2}">
+      <thm15:themeFamily xmlns:thm15="http://schemas.microsoft.com/office/thememl/2012/main" name="Office Theme" id="{62F939B6-93AF-4DB8-9C6B-D6C7DFDC589F}" vid="{4A3C46E8-61CC-4603-A589-7422A47A8E4A}"/>
+    </a:ext>
+  </a:extLst>
+</a:theme>
 </file>
--- a/images/slides/figs.pptx
+++ b/images/slides/figs.pptx
@@ -5,13 +5,15 @@
     <p:sldMasterId id="2147483648" r:id="rId1"/>
   </p:sldMasterIdLst>
   <p:notesMasterIdLst>
-    <p:notesMasterId r:id="rId6"/>
+    <p:notesMasterId r:id="rId8"/>
   </p:notesMasterIdLst>
   <p:sldIdLst>
     <p:sldId id="260" r:id="rId2"/>
     <p:sldId id="259" r:id="rId3"/>
     <p:sldId id="258" r:id="rId4"/>
     <p:sldId id="261" r:id="rId5"/>
+    <p:sldId id="262" r:id="rId6"/>
+    <p:sldId id="263" r:id="rId7"/>
   </p:sldIdLst>
   <p:sldSz cx="12192000" cy="6858000"/>
   <p:notesSz cx="6858000" cy="9144000"/>
@@ -200,7 +202,7 @@
           <a:p>
             <a:fld id="{05043A6B-37AA-E344-B17D-B22500A0E976}" type="datetimeFigureOut">
               <a:rPr lang="en-US" smtClean="0"/>
-              <a:t>9/8/17</a:t>
+              <a:t>9/9/17</a:t>
             </a:fld>
             <a:endParaRPr lang="en-US"/>
           </a:p>
@@ -599,7 +601,7 @@
           <a:p>
             <a:fld id="{F429E6A1-94FB-4C47-A3E3-496D32AEC9A2}" type="datetimeFigureOut">
               <a:rPr lang="en-US" smtClean="0"/>
-              <a:t>9/8/17</a:t>
+              <a:t>9/9/17</a:t>
             </a:fld>
             <a:endParaRPr lang="en-US"/>
           </a:p>
@@ -769,7 +771,7 @@
           <a:p>
             <a:fld id="{F429E6A1-94FB-4C47-A3E3-496D32AEC9A2}" type="datetimeFigureOut">
               <a:rPr lang="en-US" smtClean="0"/>
-              <a:t>9/8/17</a:t>
+              <a:t>9/9/17</a:t>
             </a:fld>
             <a:endParaRPr lang="en-US"/>
           </a:p>
@@ -949,7 +951,7 @@
           <a:p>
             <a:fld id="{F429E6A1-94FB-4C47-A3E3-496D32AEC9A2}" type="datetimeFigureOut">
               <a:rPr lang="en-US" smtClean="0"/>
-              <a:t>9/8/17</a:t>
+              <a:t>9/9/17</a:t>
             </a:fld>
             <a:endParaRPr lang="en-US"/>
           </a:p>
@@ -1119,7 +1121,7 @@
           <a:p>
             <a:fld id="{F429E6A1-94FB-4C47-A3E3-496D32AEC9A2}" type="datetimeFigureOut">
               <a:rPr lang="en-US" smtClean="0"/>
-              <a:t>9/8/17</a:t>
+              <a:t>9/9/17</a:t>
             </a:fld>
             <a:endParaRPr lang="en-US"/>
           </a:p>
@@ -1365,7 +1367,7 @@
           <a:p>
             <a:fld id="{F429E6A1-94FB-4C47-A3E3-496D32AEC9A2}" type="datetimeFigureOut">
               <a:rPr lang="en-US" smtClean="0"/>
-              <a:t>9/8/17</a:t>
+              <a:t>9/9/17</a:t>
             </a:fld>
             <a:endParaRPr lang="en-US"/>
           </a:p>
@@ -1597,7 +1599,7 @@
           <a:p>
             <a:fld id="{F429E6A1-94FB-4C47-A3E3-496D32AEC9A2}" type="datetimeFigureOut">
               <a:rPr lang="en-US" smtClean="0"/>
-              <a:t>9/8/17</a:t>
+              <a:t>9/9/17</a:t>
             </a:fld>
             <a:endParaRPr lang="en-US"/>
           </a:p>
@@ -1964,7 +1966,7 @@
           <a:p>
             <a:fld id="{F429E6A1-94FB-4C47-A3E3-496D32AEC9A2}" type="datetimeFigureOut">
               <a:rPr lang="en-US" smtClean="0"/>
-              <a:t>9/8/17</a:t>
+              <a:t>9/9/17</a:t>
             </a:fld>
             <a:endParaRPr lang="en-US"/>
           </a:p>
@@ -2082,7 +2084,7 @@
           <a:p>
             <a:fld id="{F429E6A1-94FB-4C47-A3E3-496D32AEC9A2}" type="datetimeFigureOut">
               <a:rPr lang="en-US" smtClean="0"/>
-              <a:t>9/8/17</a:t>
+              <a:t>9/9/17</a:t>
             </a:fld>
             <a:endParaRPr lang="en-US"/>
           </a:p>
@@ -2177,7 +2179,7 @@
           <a:p>
             <a:fld id="{F429E6A1-94FB-4C47-A3E3-496D32AEC9A2}" type="datetimeFigureOut">
               <a:rPr lang="en-US" smtClean="0"/>
-              <a:t>9/8/17</a:t>
+              <a:t>9/9/17</a:t>
             </a:fld>
             <a:endParaRPr lang="en-US"/>
           </a:p>
@@ -2454,7 +2456,7 @@
           <a:p>
             <a:fld id="{F429E6A1-94FB-4C47-A3E3-496D32AEC9A2}" type="datetimeFigureOut">
               <a:rPr lang="en-US" smtClean="0"/>
-              <a:t>9/8/17</a:t>
+              <a:t>9/9/17</a:t>
             </a:fld>
             <a:endParaRPr lang="en-US"/>
           </a:p>
@@ -2707,7 +2709,7 @@
           <a:p>
             <a:fld id="{F429E6A1-94FB-4C47-A3E3-496D32AEC9A2}" type="datetimeFigureOut">
               <a:rPr lang="en-US" smtClean="0"/>
-              <a:t>9/8/17</a:t>
+              <a:t>9/9/17</a:t>
             </a:fld>
             <a:endParaRPr lang="en-US"/>
           </a:p>
@@ -2920,7 +2922,7 @@
           <a:p>
             <a:fld id="{F429E6A1-94FB-4C47-A3E3-496D32AEC9A2}" type="datetimeFigureOut">
               <a:rPr lang="en-US" smtClean="0"/>
-              <a:t>9/8/17</a:t>
+              <a:t>9/9/17</a:t>
             </a:fld>
             <a:endParaRPr lang="en-US"/>
           </a:p>
@@ -3349,11 +3351,7 @@
           <a:p>
             <a:r>
               <a:rPr lang="en-US" sz="2400" dirty="0" smtClean="0"/>
-              <a:t>Gene expression </a:t>
-            </a:r>
-            <a:r>
-              <a:rPr lang="en-US" sz="2400" dirty="0" smtClean="0"/>
-              <a:t>values of a patient</a:t>
+              <a:t>Gene expression values of a patient</a:t>
             </a:r>
             <a:endParaRPr lang="en-US" sz="2400" dirty="0"/>
           </a:p>
@@ -3767,7 +3765,6 @@
               <a:rPr lang="en-US" sz="2400" i="1" dirty="0"/>
               <a:t>n</a:t>
             </a:r>
-            <a:endParaRPr lang="en-US" sz="2400" i="1" dirty="0"/>
           </a:p>
         </p:txBody>
       </p:sp>
@@ -3799,11 +3796,7 @@
             </a:r>
             <a:r>
               <a:rPr lang="en-US" sz="2400" i="1" dirty="0" smtClean="0"/>
-              <a:t>n(n-1</a:t>
-            </a:r>
-            <a:r>
-              <a:rPr lang="en-US" sz="2400" i="1" dirty="0" smtClean="0"/>
-              <a:t>)/2</a:t>
+              <a:t>n(n-1)/2</a:t>
             </a:r>
             <a:endParaRPr lang="en-US" sz="2400" i="1" dirty="0"/>
           </a:p>
@@ -4385,11 +4378,7 @@
                       </a:r>
                       <a:r>
                         <a:rPr lang="en-US" sz="2000" dirty="0" smtClean="0"/>
-                        <a:t> </a:t>
-                      </a:r>
-                      <a:r>
-                        <a:rPr lang="en-US" sz="2000" dirty="0" smtClean="0"/>
-                        <a:t>&lt; </a:t>
+                        <a:t> &lt; </a:t>
                       </a:r>
                       <a:r>
                         <a:rPr lang="en-US" sz="2000" dirty="0" err="1" smtClean="0"/>
@@ -4403,7 +4392,6 @@
                         <a:rPr lang="en-US" sz="2000" dirty="0" smtClean="0"/>
                         <a:t>?</a:t>
                       </a:r>
-                      <a:endParaRPr lang="en-US" sz="2000" dirty="0" smtClean="0"/>
                     </a:p>
                   </a:txBody>
                   <a:tcPr>
@@ -4472,15 +4460,7 @@
                       </a:r>
                       <a:r>
                         <a:rPr lang="en-US" sz="2000" dirty="0" smtClean="0"/>
-                        <a:t> </a:t>
-                      </a:r>
-                      <a:r>
-                        <a:rPr lang="en-US" sz="2000" dirty="0" smtClean="0"/>
-                        <a:t>&lt; </a:t>
-                      </a:r>
-                      <a:r>
-                        <a:rPr lang="en-US" sz="2000" dirty="0" smtClean="0"/>
-                        <a:t>Gene</a:t>
+                        <a:t> &lt; Gene</a:t>
                       </a:r>
                       <a:r>
                         <a:rPr lang="en-US" sz="2000" i="1" baseline="-25000" dirty="0" smtClean="0"/>
@@ -4614,7 +4594,6 @@
                         <a:rPr lang="en-US" sz="2000" dirty="0" smtClean="0"/>
                         <a:t>?</a:t>
                       </a:r>
-                      <a:endParaRPr lang="en-US" sz="2000" dirty="0" smtClean="0"/>
                     </a:p>
                   </a:txBody>
                   <a:tcPr>
@@ -4721,11 +4700,7 @@
                       </a:r>
                       <a:r>
                         <a:rPr lang="en-US" sz="2000" dirty="0" smtClean="0"/>
-                        <a:t> </a:t>
-                      </a:r>
-                      <a:r>
-                        <a:rPr lang="en-US" sz="2000" dirty="0" smtClean="0"/>
-                        <a:t>&lt; </a:t>
+                        <a:t> &lt; </a:t>
                       </a:r>
                       <a:r>
                         <a:rPr lang="en-US" sz="2000" dirty="0" err="1" smtClean="0"/>
@@ -4739,7 +4714,6 @@
                         <a:rPr lang="en-US" sz="2000" dirty="0" smtClean="0"/>
                         <a:t>?</a:t>
                       </a:r>
-                      <a:endParaRPr lang="en-US" sz="2000" dirty="0" smtClean="0"/>
                     </a:p>
                   </a:txBody>
                   <a:tcPr>
@@ -5697,11 +5671,7 @@
                       </a:r>
                       <a:r>
                         <a:rPr lang="en-US" sz="2000" dirty="0" smtClean="0"/>
-                        <a:t> </a:t>
-                      </a:r>
-                      <a:r>
-                        <a:rPr lang="en-US" sz="2000" dirty="0" smtClean="0"/>
-                        <a:t>&lt; </a:t>
+                        <a:t> &lt; </a:t>
                       </a:r>
                       <a:r>
                         <a:rPr lang="en-US" sz="2000" dirty="0" err="1" smtClean="0"/>
@@ -5715,7 +5685,6 @@
                         <a:rPr lang="en-US" sz="2000" dirty="0" smtClean="0"/>
                         <a:t>?</a:t>
                       </a:r>
-                      <a:endParaRPr lang="en-US" sz="2000" dirty="0" smtClean="0"/>
                     </a:p>
                   </a:txBody>
                   <a:tcPr>
@@ -5784,15 +5753,7 @@
                       </a:r>
                       <a:r>
                         <a:rPr lang="en-US" sz="2000" dirty="0" smtClean="0"/>
-                        <a:t> </a:t>
-                      </a:r>
-                      <a:r>
-                        <a:rPr lang="en-US" sz="2000" dirty="0" smtClean="0"/>
-                        <a:t>&lt; </a:t>
-                      </a:r>
-                      <a:r>
-                        <a:rPr lang="en-US" sz="2000" dirty="0" smtClean="0"/>
-                        <a:t>Gene</a:t>
+                        <a:t> &lt; Gene</a:t>
                       </a:r>
                       <a:r>
                         <a:rPr lang="en-US" sz="2000" i="1" baseline="-25000" dirty="0" smtClean="0"/>
@@ -5926,7 +5887,6 @@
                         <a:rPr lang="en-US" sz="2000" dirty="0" smtClean="0"/>
                         <a:t>?</a:t>
                       </a:r>
-                      <a:endParaRPr lang="en-US" sz="2000" dirty="0" smtClean="0"/>
                     </a:p>
                   </a:txBody>
                   <a:tcPr>
@@ -6033,11 +5993,7 @@
                       </a:r>
                       <a:r>
                         <a:rPr lang="en-US" sz="2000" dirty="0" smtClean="0"/>
-                        <a:t> </a:t>
-                      </a:r>
-                      <a:r>
-                        <a:rPr lang="en-US" sz="2000" dirty="0" smtClean="0"/>
-                        <a:t>&lt; </a:t>
+                        <a:t> &lt; </a:t>
                       </a:r>
                       <a:r>
                         <a:rPr lang="en-US" sz="2000" dirty="0" err="1" smtClean="0"/>
@@ -6051,7 +6007,6 @@
                         <a:rPr lang="en-US" sz="2000" dirty="0" smtClean="0"/>
                         <a:t>?</a:t>
                       </a:r>
-                      <a:endParaRPr lang="en-US" sz="2000" dirty="0" smtClean="0"/>
                     </a:p>
                   </a:txBody>
                   <a:tcPr>
@@ -6147,7 +6102,6 @@
               <a:rPr lang="en-US" sz="2400" i="1" dirty="0"/>
               <a:t>n</a:t>
             </a:r>
-            <a:endParaRPr lang="en-US" sz="2400" i="1" dirty="0"/>
           </a:p>
         </p:txBody>
       </p:sp>
@@ -6179,11 +6133,7 @@
             </a:r>
             <a:r>
               <a:rPr lang="en-US" sz="2400" i="1" dirty="0" smtClean="0"/>
-              <a:t>n(n-1</a:t>
-            </a:r>
-            <a:r>
-              <a:rPr lang="en-US" sz="2400" i="1" dirty="0" smtClean="0"/>
-              <a:t>)/2</a:t>
+              <a:t>n(n-1)/2</a:t>
             </a:r>
             <a:endParaRPr lang="en-US" sz="2400" i="1" dirty="0"/>
           </a:p>
@@ -7301,6 +7251,414 @@
     <p:extLst>
       <p:ext uri="{BB962C8B-B14F-4D97-AF65-F5344CB8AC3E}">
         <p14:creationId xmlns:p14="http://schemas.microsoft.com/office/powerpoint/2010/main" val="1938452341"/>
+      </p:ext>
+    </p:extLst>
+  </p:cSld>
+  <p:clrMapOvr>
+    <a:masterClrMapping/>
+  </p:clrMapOvr>
+</p:sld>
+</file>
+
+<file path=ppt/slides/slide5.xml><?xml version="1.0" encoding="utf-8"?>
+<p:sld xmlns:a="http://schemas.openxmlformats.org/drawingml/2006/main" xmlns:r="http://schemas.openxmlformats.org/officeDocument/2006/relationships" xmlns:p="http://schemas.openxmlformats.org/presentationml/2006/main">
+  <p:cSld>
+    <p:spTree>
+      <p:nvGrpSpPr>
+        <p:cNvPr id="1" name=""/>
+        <p:cNvGrpSpPr/>
+        <p:nvPr/>
+      </p:nvGrpSpPr>
+      <p:grpSpPr>
+        <a:xfrm>
+          <a:off x="0" y="0"/>
+          <a:ext cx="0" cy="0"/>
+          <a:chOff x="0" y="0"/>
+          <a:chExt cx="0" cy="0"/>
+        </a:xfrm>
+      </p:grpSpPr>
+      <p:pic>
+        <p:nvPicPr>
+          <p:cNvPr id="4" name="Picture 3"/>
+          <p:cNvPicPr>
+            <a:picLocks noChangeAspect="1"/>
+          </p:cNvPicPr>
+          <p:nvPr/>
+        </p:nvPicPr>
+        <p:blipFill>
+          <a:blip r:embed="rId2">
+            <a:extLst>
+              <a:ext uri="{28A0092B-C50C-407E-A947-70E740481C1C}">
+                <a14:useLocalDpi xmlns:a14="http://schemas.microsoft.com/office/drawing/2010/main" val="0"/>
+              </a:ext>
+            </a:extLst>
+          </a:blip>
+          <a:stretch>
+            <a:fillRect/>
+          </a:stretch>
+        </p:blipFill>
+        <p:spPr>
+          <a:xfrm>
+            <a:off x="88900" y="2159000"/>
+            <a:ext cx="12014200" cy="2540000"/>
+          </a:xfrm>
+          <a:prstGeom prst="rect">
+            <a:avLst/>
+          </a:prstGeom>
+        </p:spPr>
+      </p:pic>
+      <p:sp>
+        <p:nvSpPr>
+          <p:cNvPr id="6" name="Line Callout 2 5"/>
+          <p:cNvSpPr/>
+          <p:nvPr/>
+        </p:nvSpPr>
+        <p:spPr>
+          <a:xfrm>
+            <a:off x="8754034" y="927846"/>
+            <a:ext cx="2501153" cy="1089211"/>
+          </a:xfrm>
+          <a:prstGeom prst="borderCallout2">
+            <a:avLst>
+              <a:gd name="adj1" fmla="val 78453"/>
+              <a:gd name="adj2" fmla="val -181"/>
+              <a:gd name="adj3" fmla="val 79943"/>
+              <a:gd name="adj4" fmla="val -29587"/>
+              <a:gd name="adj5" fmla="val 142462"/>
+              <a:gd name="adj6" fmla="val -36283"/>
+            </a:avLst>
+          </a:prstGeom>
+          <a:ln>
+            <a:solidFill>
+              <a:schemeClr val="bg2">
+                <a:lumMod val="75000"/>
+              </a:schemeClr>
+            </a:solidFill>
+          </a:ln>
+        </p:spPr>
+        <p:style>
+          <a:lnRef idx="2">
+            <a:schemeClr val="accent6"/>
+          </a:lnRef>
+          <a:fillRef idx="1">
+            <a:schemeClr val="lt1"/>
+          </a:fillRef>
+          <a:effectRef idx="0">
+            <a:schemeClr val="accent6"/>
+          </a:effectRef>
+          <a:fontRef idx="minor">
+            <a:schemeClr val="dk1"/>
+          </a:fontRef>
+        </p:style>
+        <p:txBody>
+          <a:bodyPr rtlCol="0" anchor="ctr"/>
+          <a:lstStyle/>
+          <a:p>
+            <a:pPr algn="ctr"/>
+            <a:r>
+              <a:rPr lang="en-US" sz="3200" dirty="0" err="1" smtClean="0">
+                <a:solidFill>
+                  <a:schemeClr val="tx1"/>
+                </a:solidFill>
+              </a:rPr>
+              <a:t>Kemeny</a:t>
+            </a:r>
+            <a:r>
+              <a:rPr lang="en-US" sz="3200" dirty="0" smtClean="0">
+                <a:solidFill>
+                  <a:schemeClr val="tx1"/>
+                </a:solidFill>
+              </a:rPr>
+              <a:t> aggregation</a:t>
+            </a:r>
+            <a:endParaRPr lang="en-US" sz="3200" dirty="0">
+              <a:solidFill>
+                <a:schemeClr val="tx1"/>
+              </a:solidFill>
+            </a:endParaRPr>
+          </a:p>
+        </p:txBody>
+      </p:sp>
+      <p:sp>
+        <p:nvSpPr>
+          <p:cNvPr id="2" name="TextBox 1"/>
+          <p:cNvSpPr txBox="1"/>
+          <p:nvPr/>
+        </p:nvSpPr>
+        <p:spPr>
+          <a:xfrm>
+            <a:off x="3375744" y="4699000"/>
+            <a:ext cx="2523961" cy="523220"/>
+          </a:xfrm>
+          <a:prstGeom prst="rect">
+            <a:avLst/>
+          </a:prstGeom>
+          <a:noFill/>
+        </p:spPr>
+        <p:txBody>
+          <a:bodyPr wrap="none" rtlCol="0">
+            <a:spAutoFit/>
+          </a:bodyPr>
+          <a:lstStyle/>
+          <a:p>
+            <a:r>
+              <a:rPr lang="en-US" sz="2800" dirty="0" smtClean="0"/>
+              <a:t>Optimize over </a:t>
+            </a:r>
+            <a:r>
+              <a:rPr lang="en-US" sz="2800" i="1" dirty="0" err="1" smtClean="0"/>
+              <a:t>S</a:t>
+            </a:r>
+            <a:r>
+              <a:rPr lang="en-US" sz="2800" i="1" baseline="-25000" dirty="0" err="1" smtClean="0"/>
+              <a:t>j</a:t>
+            </a:r>
+            <a:endParaRPr lang="en-US" sz="2800" i="1" baseline="-25000" dirty="0"/>
+          </a:p>
+        </p:txBody>
+      </p:sp>
+      <p:sp>
+        <p:nvSpPr>
+          <p:cNvPr id="5" name="TextBox 4"/>
+          <p:cNvSpPr txBox="1"/>
+          <p:nvPr/>
+        </p:nvSpPr>
+        <p:spPr>
+          <a:xfrm>
+            <a:off x="6343503" y="4699000"/>
+            <a:ext cx="2604111" cy="523220"/>
+          </a:xfrm>
+          <a:prstGeom prst="rect">
+            <a:avLst/>
+          </a:prstGeom>
+          <a:noFill/>
+        </p:spPr>
+        <p:txBody>
+          <a:bodyPr wrap="none" rtlCol="0">
+            <a:spAutoFit/>
+          </a:bodyPr>
+          <a:lstStyle/>
+          <a:p>
+            <a:r>
+              <a:rPr lang="en-US" sz="2800" dirty="0" smtClean="0"/>
+              <a:t>Optimize over </a:t>
+            </a:r>
+            <a:r>
+              <a:rPr lang="en-US" sz="2800" i="1" dirty="0" smtClean="0"/>
+              <a:t>𝜋</a:t>
+            </a:r>
+            <a:r>
+              <a:rPr lang="en-US" sz="2800" i="1" baseline="-25000" dirty="0" smtClean="0"/>
+              <a:t>j</a:t>
+            </a:r>
+            <a:endParaRPr lang="en-US" sz="2800" i="1" baseline="-25000" dirty="0"/>
+          </a:p>
+        </p:txBody>
+      </p:sp>
+    </p:spTree>
+    <p:extLst>
+      <p:ext uri="{BB962C8B-B14F-4D97-AF65-F5344CB8AC3E}">
+        <p14:creationId xmlns:p14="http://schemas.microsoft.com/office/powerpoint/2010/main" val="313169249"/>
+      </p:ext>
+    </p:extLst>
+  </p:cSld>
+  <p:clrMapOvr>
+    <a:masterClrMapping/>
+  </p:clrMapOvr>
+</p:sld>
+</file>
+
+<file path=ppt/slides/slide6.xml><?xml version="1.0" encoding="utf-8"?>
+<p:sld xmlns:a="http://schemas.openxmlformats.org/drawingml/2006/main" xmlns:r="http://schemas.openxmlformats.org/officeDocument/2006/relationships" xmlns:p="http://schemas.openxmlformats.org/presentationml/2006/main">
+  <p:cSld>
+    <p:spTree>
+      <p:nvGrpSpPr>
+        <p:cNvPr id="1" name=""/>
+        <p:cNvGrpSpPr/>
+        <p:nvPr/>
+      </p:nvGrpSpPr>
+      <p:grpSpPr>
+        <a:xfrm>
+          <a:off x="0" y="0"/>
+          <a:ext cx="0" cy="0"/>
+          <a:chOff x="0" y="0"/>
+          <a:chExt cx="0" cy="0"/>
+        </a:xfrm>
+      </p:grpSpPr>
+      <p:pic>
+        <p:nvPicPr>
+          <p:cNvPr id="4" name="Picture 3"/>
+          <p:cNvPicPr>
+            <a:picLocks noChangeAspect="1"/>
+          </p:cNvPicPr>
+          <p:nvPr/>
+        </p:nvPicPr>
+        <p:blipFill>
+          <a:blip r:embed="rId2">
+            <a:extLst>
+              <a:ext uri="{28A0092B-C50C-407E-A947-70E740481C1C}">
+                <a14:useLocalDpi xmlns:a14="http://schemas.microsoft.com/office/drawing/2010/main" val="0"/>
+              </a:ext>
+            </a:extLst>
+          </a:blip>
+          <a:stretch>
+            <a:fillRect/>
+          </a:stretch>
+        </p:blipFill>
+        <p:spPr>
+          <a:xfrm>
+            <a:off x="88900" y="2159000"/>
+            <a:ext cx="12014200" cy="2540000"/>
+          </a:xfrm>
+          <a:prstGeom prst="rect">
+            <a:avLst/>
+          </a:prstGeom>
+        </p:spPr>
+      </p:pic>
+      <p:sp>
+        <p:nvSpPr>
+          <p:cNvPr id="5" name="Line Callout 2 4"/>
+          <p:cNvSpPr/>
+          <p:nvPr/>
+        </p:nvSpPr>
+        <p:spPr>
+          <a:xfrm>
+            <a:off x="8754034" y="927846"/>
+            <a:ext cx="2501153" cy="1089211"/>
+          </a:xfrm>
+          <a:prstGeom prst="borderCallout2">
+            <a:avLst>
+              <a:gd name="adj1" fmla="val 78453"/>
+              <a:gd name="adj2" fmla="val -181"/>
+              <a:gd name="adj3" fmla="val 79943"/>
+              <a:gd name="adj4" fmla="val -29587"/>
+              <a:gd name="adj5" fmla="val 142462"/>
+              <a:gd name="adj6" fmla="val -36283"/>
+            </a:avLst>
+          </a:prstGeom>
+          <a:ln>
+            <a:solidFill>
+              <a:schemeClr val="bg2">
+                <a:lumMod val="75000"/>
+              </a:schemeClr>
+            </a:solidFill>
+          </a:ln>
+        </p:spPr>
+        <p:style>
+          <a:lnRef idx="2">
+            <a:schemeClr val="accent6"/>
+          </a:lnRef>
+          <a:fillRef idx="1">
+            <a:schemeClr val="lt1"/>
+          </a:fillRef>
+          <a:effectRef idx="0">
+            <a:schemeClr val="accent6"/>
+          </a:effectRef>
+          <a:fontRef idx="minor">
+            <a:schemeClr val="dk1"/>
+          </a:fontRef>
+        </p:style>
+        <p:txBody>
+          <a:bodyPr rtlCol="0" anchor="ctr"/>
+          <a:lstStyle/>
+          <a:p>
+            <a:pPr algn="ctr"/>
+            <a:r>
+              <a:rPr lang="en-US" sz="3200" dirty="0" smtClean="0">
+                <a:solidFill>
+                  <a:schemeClr val="tx1"/>
+                </a:solidFill>
+              </a:rPr>
+              <a:t>Kernel trick</a:t>
+            </a:r>
+            <a:endParaRPr lang="en-US" sz="3200" dirty="0">
+              <a:solidFill>
+                <a:schemeClr val="tx1"/>
+              </a:solidFill>
+            </a:endParaRPr>
+          </a:p>
+        </p:txBody>
+      </p:sp>
+      <p:sp>
+        <p:nvSpPr>
+          <p:cNvPr id="6" name="TextBox 5"/>
+          <p:cNvSpPr txBox="1"/>
+          <p:nvPr/>
+        </p:nvSpPr>
+        <p:spPr>
+          <a:xfrm>
+            <a:off x="3375744" y="4699000"/>
+            <a:ext cx="2523961" cy="523220"/>
+          </a:xfrm>
+          <a:prstGeom prst="rect">
+            <a:avLst/>
+          </a:prstGeom>
+          <a:noFill/>
+        </p:spPr>
+        <p:txBody>
+          <a:bodyPr wrap="none" rtlCol="0">
+            <a:spAutoFit/>
+          </a:bodyPr>
+          <a:lstStyle/>
+          <a:p>
+            <a:r>
+              <a:rPr lang="en-US" sz="2800" dirty="0" smtClean="0"/>
+              <a:t>Optimize over </a:t>
+            </a:r>
+            <a:r>
+              <a:rPr lang="en-US" sz="2800" i="1" dirty="0" err="1" smtClean="0"/>
+              <a:t>S</a:t>
+            </a:r>
+            <a:r>
+              <a:rPr lang="en-US" sz="2800" i="1" baseline="-25000" dirty="0" err="1" smtClean="0"/>
+              <a:t>j</a:t>
+            </a:r>
+            <a:endParaRPr lang="en-US" sz="2800" i="1" baseline="-25000" dirty="0"/>
+          </a:p>
+        </p:txBody>
+      </p:sp>
+      <p:sp>
+        <p:nvSpPr>
+          <p:cNvPr id="7" name="TextBox 6"/>
+          <p:cNvSpPr txBox="1"/>
+          <p:nvPr/>
+        </p:nvSpPr>
+        <p:spPr>
+          <a:xfrm>
+            <a:off x="6343503" y="4699000"/>
+            <a:ext cx="2640979" cy="523220"/>
+          </a:xfrm>
+          <a:prstGeom prst="rect">
+            <a:avLst/>
+          </a:prstGeom>
+          <a:noFill/>
+        </p:spPr>
+        <p:txBody>
+          <a:bodyPr wrap="none" rtlCol="0">
+            <a:spAutoFit/>
+          </a:bodyPr>
+          <a:lstStyle/>
+          <a:p>
+            <a:r>
+              <a:rPr lang="en-US" sz="2800" dirty="0" smtClean="0"/>
+              <a:t>Optimize over </a:t>
+            </a:r>
+            <a:r>
+              <a:rPr lang="en-US" sz="2800" i="1" dirty="0" smtClean="0"/>
+              <a:t>𝜇</a:t>
+            </a:r>
+            <a:r>
+              <a:rPr lang="en-US" sz="2800" i="1" baseline="-25000" dirty="0" smtClean="0"/>
+              <a:t>j</a:t>
+            </a:r>
+            <a:endParaRPr lang="en-US" sz="2800" i="1" baseline="-25000" dirty="0"/>
+          </a:p>
+        </p:txBody>
+      </p:sp>
+    </p:spTree>
+    <p:extLst>
+      <p:ext uri="{BB962C8B-B14F-4D97-AF65-F5344CB8AC3E}">
+        <p14:creationId xmlns:p14="http://schemas.microsoft.com/office/powerpoint/2010/main" val="1455071085"/>
       </p:ext>
     </p:extLst>
   </p:cSld>
